--- a/cc_process/Customer_Churn_ppt.pptx
+++ b/cc_process/Customer_Churn_ppt.pptx
@@ -5,7 +5,7 @@
     <p:sldMasterId id="2147483648" r:id="rId1"/>
   </p:sldMasterIdLst>
   <p:notesMasterIdLst>
-    <p:notesMasterId r:id="rId24"/>
+    <p:notesMasterId r:id="rId26"/>
   </p:notesMasterIdLst>
   <p:sldIdLst>
     <p:sldId id="256" r:id="rId2"/>
@@ -24,23 +24,25 @@
     <p:sldId id="274" r:id="rId15"/>
     <p:sldId id="279" r:id="rId16"/>
     <p:sldId id="276" r:id="rId17"/>
-    <p:sldId id="267" r:id="rId18"/>
-    <p:sldId id="268" r:id="rId19"/>
-    <p:sldId id="269" r:id="rId20"/>
-    <p:sldId id="270" r:id="rId21"/>
-    <p:sldId id="271" r:id="rId22"/>
-    <p:sldId id="272" r:id="rId23"/>
+    <p:sldId id="280" r:id="rId18"/>
+    <p:sldId id="275" r:id="rId19"/>
+    <p:sldId id="267" r:id="rId20"/>
+    <p:sldId id="268" r:id="rId21"/>
+    <p:sldId id="269" r:id="rId22"/>
+    <p:sldId id="270" r:id="rId23"/>
+    <p:sldId id="271" r:id="rId24"/>
+    <p:sldId id="272" r:id="rId25"/>
   </p:sldIdLst>
   <p:sldSz cx="18288000" cy="10287000"/>
   <p:notesSz cx="6858000" cy="9144000"/>
   <p:embeddedFontLst>
     <p:embeddedFont>
       <p:font typeface="Arimo" panose="02020500000000000000" charset="0"/>
-      <p:regular r:id="rId25"/>
+      <p:regular r:id="rId27"/>
     </p:embeddedFont>
     <p:embeddedFont>
       <p:font typeface="Arimo Bold" panose="02020500000000000000" charset="0"/>
-      <p:regular r:id="rId26"/>
+      <p:regular r:id="rId28"/>
     </p:embeddedFont>
   </p:embeddedFontLst>
   <p:defaultTextStyle>
@@ -239,7 +241,7 @@
           <a:p>
             <a:fld id="{B7268E1E-0E44-426D-905E-8AD9B19D2182}" type="datetimeFigureOut">
               <a:rPr lang="cs-CZ" smtClean="0"/>
-              <a:t>16.07.2024</a:t>
+              <a:t>19.07.2024</a:t>
             </a:fld>
             <a:endParaRPr lang="cs-CZ"/>
           </a:p>
@@ -2487,6 +2489,11 @@
         </p:txBody>
       </p:sp>
     </p:spTree>
+    <p:extLst>
+      <p:ext uri="{BB962C8B-B14F-4D97-AF65-F5344CB8AC3E}">
+        <p14:creationId xmlns:p14="http://schemas.microsoft.com/office/powerpoint/2010/main" val="1829928127"/>
+      </p:ext>
+    </p:extLst>
   </p:cSld>
   <p:clrMapOvr>
     <a:masterClrMapping/>
@@ -2806,8 +2813,8 @@
         </p:nvSpPr>
         <p:spPr>
           <a:xfrm>
-            <a:off x="2857500" y="512763"/>
-            <a:ext cx="3429000" cy="2566987"/>
+            <a:off x="2290763" y="512763"/>
+            <a:ext cx="4562475" cy="2566987"/>
           </a:xfrm>
           <a:prstGeom prst="rect">
             <a:avLst/>
@@ -3585,6 +3592,442 @@
 </file>
 
 <file path=ppt/notesSlides/notesSlide22.xml><?xml version="1.0" encoding="utf-8"?>
+<p:notes xmlns:a="http://schemas.openxmlformats.org/drawingml/2006/main" xmlns:r="http://schemas.openxmlformats.org/officeDocument/2006/relationships" xmlns:p="http://schemas.openxmlformats.org/presentationml/2006/main">
+  <p:cSld>
+    <p:spTree>
+      <p:nvGrpSpPr>
+        <p:cNvPr id="1" name=""/>
+        <p:cNvGrpSpPr/>
+        <p:nvPr/>
+      </p:nvGrpSpPr>
+      <p:grpSpPr>
+        <a:xfrm>
+          <a:off x="0" y="0"/>
+          <a:ext cx="0" cy="0"/>
+          <a:chOff x="0" y="0"/>
+          <a:chExt cx="0" cy="0"/>
+        </a:xfrm>
+      </p:grpSpPr>
+      <p:sp>
+        <p:nvSpPr>
+          <p:cNvPr id="2" name="Header Placeholder 1"/>
+          <p:cNvSpPr>
+            <a:spLocks noGrp="1"/>
+          </p:cNvSpPr>
+          <p:nvPr>
+            <p:ph type="hdr" sz="quarter"/>
+          </p:nvPr>
+        </p:nvSpPr>
+        <p:spPr>
+          <a:xfrm>
+            <a:off x="0" y="0"/>
+            <a:ext cx="3962400" cy="342900"/>
+          </a:xfrm>
+          <a:prstGeom prst="rect">
+            <a:avLst/>
+          </a:prstGeom>
+        </p:spPr>
+        <p:txBody>
+          <a:bodyPr vert="horz" lIns="91440" tIns="45720" rIns="91440" bIns="45720" rtlCol="0"/>
+          <a:lstStyle>
+            <a:lvl1pPr algn="l">
+              <a:defRPr sz="1200"/>
+            </a:lvl1pPr>
+          </a:lstStyle>
+          <a:p>
+            <a:endParaRPr/>
+          </a:p>
+        </p:txBody>
+      </p:sp>
+      <p:sp>
+        <p:nvSpPr>
+          <p:cNvPr id="3" name="Date Placeholder 2"/>
+          <p:cNvSpPr>
+            <a:spLocks noGrp="1"/>
+          </p:cNvSpPr>
+          <p:nvPr>
+            <p:ph type="dt" idx="1"/>
+          </p:nvPr>
+        </p:nvSpPr>
+        <p:spPr>
+          <a:xfrm>
+            <a:off x="5180013" y="0"/>
+            <a:ext cx="3962400" cy="342900"/>
+          </a:xfrm>
+          <a:prstGeom prst="rect">
+            <a:avLst/>
+          </a:prstGeom>
+        </p:spPr>
+        <p:txBody>
+          <a:bodyPr vert="horz" lIns="91440" tIns="45720" rIns="91440" bIns="45720" rtlCol="0"/>
+          <a:lstStyle>
+            <a:lvl1pPr algn="r">
+              <a:defRPr sz="1200"/>
+            </a:lvl1pPr>
+          </a:lstStyle>
+          <a:p>
+            <a:r>
+              <a:rPr lang="cs-CZ"/>
+              <a:t>1.7.2013</a:t>
+            </a:r>
+          </a:p>
+        </p:txBody>
+      </p:sp>
+      <p:sp>
+        <p:nvSpPr>
+          <p:cNvPr id="4" name="Slide Image Placeholder 3"/>
+          <p:cNvSpPr>
+            <a:spLocks noGrp="1" noRot="1" noChangeAspect="1"/>
+          </p:cNvSpPr>
+          <p:nvPr>
+            <p:ph type="sldImg" idx="2"/>
+          </p:nvPr>
+        </p:nvSpPr>
+        <p:spPr>
+          <a:xfrm>
+            <a:off x="2290763" y="512763"/>
+            <a:ext cx="4562475" cy="2566987"/>
+          </a:xfrm>
+          <a:prstGeom prst="rect">
+            <a:avLst/>
+          </a:prstGeom>
+          <a:noFill/>
+          <a:ln w="12700">
+            <a:solidFill>
+              <a:prstClr val="black"/>
+            </a:solidFill>
+          </a:ln>
+        </p:spPr>
+        <p:txBody>
+          <a:bodyPr vert="horz" lIns="91440" tIns="45720" rIns="91440" bIns="45720" rtlCol="0" anchor="ctr"/>
+          <a:lstStyle/>
+          <a:p>
+            <a:endParaRPr/>
+          </a:p>
+        </p:txBody>
+      </p:sp>
+      <p:sp>
+        <p:nvSpPr>
+          <p:cNvPr id="5" name="Notes Placeholder 4"/>
+          <p:cNvSpPr>
+            <a:spLocks noGrp="1"/>
+          </p:cNvSpPr>
+          <p:nvPr>
+            <p:ph type="body" sz="quarter" idx="3"/>
+          </p:nvPr>
+        </p:nvSpPr>
+        <p:spPr>
+          <a:xfrm>
+            <a:off x="914400" y="3251200"/>
+            <a:ext cx="7315200" cy="3081338"/>
+          </a:xfrm>
+          <a:prstGeom prst="rect">
+            <a:avLst/>
+          </a:prstGeom>
+        </p:spPr>
+        <p:txBody>
+          <a:bodyPr vert="horz" lIns="91440" tIns="45720" rIns="91440" bIns="45720" rtlCol="0"/>
+          <a:lstStyle/>
+          <a:p>
+            <a:r>
+              <a:rPr lang="en-US"/>
+              <a:t>3</a:t>
+            </a:r>
+          </a:p>
+        </p:txBody>
+      </p:sp>
+      <p:sp>
+        <p:nvSpPr>
+          <p:cNvPr id="6" name="Footer Placeholder 5"/>
+          <p:cNvSpPr>
+            <a:spLocks noGrp="1"/>
+          </p:cNvSpPr>
+          <p:nvPr>
+            <p:ph type="ftr" sz="quarter" idx="4"/>
+          </p:nvPr>
+        </p:nvSpPr>
+        <p:spPr>
+          <a:xfrm>
+            <a:off x="0" y="6502400"/>
+            <a:ext cx="3962400" cy="341313"/>
+          </a:xfrm>
+          <a:prstGeom prst="rect">
+            <a:avLst/>
+          </a:prstGeom>
+        </p:spPr>
+        <p:txBody>
+          <a:bodyPr vert="horz" lIns="91440" tIns="45720" rIns="91440" bIns="45720" rtlCol="0" anchor="b"/>
+          <a:lstStyle>
+            <a:lvl1pPr algn="l">
+              <a:defRPr sz="1200"/>
+            </a:lvl1pPr>
+          </a:lstStyle>
+          <a:p>
+            <a:endParaRPr/>
+          </a:p>
+        </p:txBody>
+      </p:sp>
+      <p:sp>
+        <p:nvSpPr>
+          <p:cNvPr id="7" name="Slide Number Placeholder 6"/>
+          <p:cNvSpPr>
+            <a:spLocks noGrp="1"/>
+          </p:cNvSpPr>
+          <p:nvPr>
+            <p:ph type="sldNum" sz="quarter" idx="5"/>
+          </p:nvPr>
+        </p:nvSpPr>
+        <p:spPr>
+          <a:xfrm>
+            <a:off x="5180013" y="6502400"/>
+            <a:ext cx="3962400" cy="341313"/>
+          </a:xfrm>
+          <a:prstGeom prst="rect">
+            <a:avLst/>
+          </a:prstGeom>
+        </p:spPr>
+        <p:txBody>
+          <a:bodyPr vert="horz" lIns="91440" tIns="45720" rIns="91440" bIns="45720" rtlCol="0" anchor="b"/>
+          <a:lstStyle>
+            <a:lvl1pPr algn="r">
+              <a:defRPr sz="1200"/>
+            </a:lvl1pPr>
+          </a:lstStyle>
+          <a:p>
+            <a:r>
+              <a:rPr lang="cs-CZ"/>
+              <a:t>‹#›</a:t>
+            </a:r>
+          </a:p>
+        </p:txBody>
+      </p:sp>
+    </p:spTree>
+  </p:cSld>
+  <p:clrMapOvr>
+    <a:masterClrMapping/>
+  </p:clrMapOvr>
+</p:notes>
+</file>
+
+<file path=ppt/notesSlides/notesSlide23.xml><?xml version="1.0" encoding="utf-8"?>
+<p:notes xmlns:a="http://schemas.openxmlformats.org/drawingml/2006/main" xmlns:r="http://schemas.openxmlformats.org/officeDocument/2006/relationships" xmlns:p="http://schemas.openxmlformats.org/presentationml/2006/main">
+  <p:cSld>
+    <p:spTree>
+      <p:nvGrpSpPr>
+        <p:cNvPr id="1" name=""/>
+        <p:cNvGrpSpPr/>
+        <p:nvPr/>
+      </p:nvGrpSpPr>
+      <p:grpSpPr>
+        <a:xfrm>
+          <a:off x="0" y="0"/>
+          <a:ext cx="0" cy="0"/>
+          <a:chOff x="0" y="0"/>
+          <a:chExt cx="0" cy="0"/>
+        </a:xfrm>
+      </p:grpSpPr>
+      <p:sp>
+        <p:nvSpPr>
+          <p:cNvPr id="2" name="Header Placeholder 1"/>
+          <p:cNvSpPr>
+            <a:spLocks noGrp="1"/>
+          </p:cNvSpPr>
+          <p:nvPr>
+            <p:ph type="hdr" sz="quarter"/>
+          </p:nvPr>
+        </p:nvSpPr>
+        <p:spPr>
+          <a:xfrm>
+            <a:off x="0" y="0"/>
+            <a:ext cx="3962400" cy="342900"/>
+          </a:xfrm>
+          <a:prstGeom prst="rect">
+            <a:avLst/>
+          </a:prstGeom>
+        </p:spPr>
+        <p:txBody>
+          <a:bodyPr vert="horz" lIns="91440" tIns="45720" rIns="91440" bIns="45720" rtlCol="0"/>
+          <a:lstStyle>
+            <a:lvl1pPr algn="l">
+              <a:defRPr sz="1200"/>
+            </a:lvl1pPr>
+          </a:lstStyle>
+          <a:p>
+            <a:endParaRPr/>
+          </a:p>
+        </p:txBody>
+      </p:sp>
+      <p:sp>
+        <p:nvSpPr>
+          <p:cNvPr id="3" name="Date Placeholder 2"/>
+          <p:cNvSpPr>
+            <a:spLocks noGrp="1"/>
+          </p:cNvSpPr>
+          <p:nvPr>
+            <p:ph type="dt" idx="1"/>
+          </p:nvPr>
+        </p:nvSpPr>
+        <p:spPr>
+          <a:xfrm>
+            <a:off x="5180013" y="0"/>
+            <a:ext cx="3962400" cy="342900"/>
+          </a:xfrm>
+          <a:prstGeom prst="rect">
+            <a:avLst/>
+          </a:prstGeom>
+        </p:spPr>
+        <p:txBody>
+          <a:bodyPr vert="horz" lIns="91440" tIns="45720" rIns="91440" bIns="45720" rtlCol="0"/>
+          <a:lstStyle>
+            <a:lvl1pPr algn="r">
+              <a:defRPr sz="1200"/>
+            </a:lvl1pPr>
+          </a:lstStyle>
+          <a:p>
+            <a:r>
+              <a:rPr lang="cs-CZ"/>
+              <a:t>1.7.2013</a:t>
+            </a:r>
+          </a:p>
+        </p:txBody>
+      </p:sp>
+      <p:sp>
+        <p:nvSpPr>
+          <p:cNvPr id="4" name="Slide Image Placeholder 3"/>
+          <p:cNvSpPr>
+            <a:spLocks noGrp="1" noRot="1" noChangeAspect="1"/>
+          </p:cNvSpPr>
+          <p:nvPr>
+            <p:ph type="sldImg" idx="2"/>
+          </p:nvPr>
+        </p:nvSpPr>
+        <p:spPr>
+          <a:xfrm>
+            <a:off x="2857500" y="512763"/>
+            <a:ext cx="3429000" cy="2566987"/>
+          </a:xfrm>
+          <a:prstGeom prst="rect">
+            <a:avLst/>
+          </a:prstGeom>
+          <a:noFill/>
+          <a:ln w="12700">
+            <a:solidFill>
+              <a:prstClr val="black"/>
+            </a:solidFill>
+          </a:ln>
+        </p:spPr>
+        <p:txBody>
+          <a:bodyPr vert="horz" lIns="91440" tIns="45720" rIns="91440" bIns="45720" rtlCol="0" anchor="ctr"/>
+          <a:lstStyle/>
+          <a:p>
+            <a:endParaRPr/>
+          </a:p>
+        </p:txBody>
+      </p:sp>
+      <p:sp>
+        <p:nvSpPr>
+          <p:cNvPr id="5" name="Notes Placeholder 4"/>
+          <p:cNvSpPr>
+            <a:spLocks noGrp="1"/>
+          </p:cNvSpPr>
+          <p:nvPr>
+            <p:ph type="body" sz="quarter" idx="3"/>
+          </p:nvPr>
+        </p:nvSpPr>
+        <p:spPr>
+          <a:xfrm>
+            <a:off x="914400" y="3251200"/>
+            <a:ext cx="7315200" cy="3081338"/>
+          </a:xfrm>
+          <a:prstGeom prst="rect">
+            <a:avLst/>
+          </a:prstGeom>
+        </p:spPr>
+        <p:txBody>
+          <a:bodyPr vert="horz" lIns="91440" tIns="45720" rIns="91440" bIns="45720" rtlCol="0"/>
+          <a:lstStyle/>
+          <a:p>
+            <a:r>
+              <a:rPr lang="en-US"/>
+              <a:t>3</a:t>
+            </a:r>
+          </a:p>
+        </p:txBody>
+      </p:sp>
+      <p:sp>
+        <p:nvSpPr>
+          <p:cNvPr id="6" name="Footer Placeholder 5"/>
+          <p:cNvSpPr>
+            <a:spLocks noGrp="1"/>
+          </p:cNvSpPr>
+          <p:nvPr>
+            <p:ph type="ftr" sz="quarter" idx="4"/>
+          </p:nvPr>
+        </p:nvSpPr>
+        <p:spPr>
+          <a:xfrm>
+            <a:off x="0" y="6502400"/>
+            <a:ext cx="3962400" cy="341313"/>
+          </a:xfrm>
+          <a:prstGeom prst="rect">
+            <a:avLst/>
+          </a:prstGeom>
+        </p:spPr>
+        <p:txBody>
+          <a:bodyPr vert="horz" lIns="91440" tIns="45720" rIns="91440" bIns="45720" rtlCol="0" anchor="b"/>
+          <a:lstStyle>
+            <a:lvl1pPr algn="l">
+              <a:defRPr sz="1200"/>
+            </a:lvl1pPr>
+          </a:lstStyle>
+          <a:p>
+            <a:endParaRPr/>
+          </a:p>
+        </p:txBody>
+      </p:sp>
+      <p:sp>
+        <p:nvSpPr>
+          <p:cNvPr id="7" name="Slide Number Placeholder 6"/>
+          <p:cNvSpPr>
+            <a:spLocks noGrp="1"/>
+          </p:cNvSpPr>
+          <p:nvPr>
+            <p:ph type="sldNum" sz="quarter" idx="5"/>
+          </p:nvPr>
+        </p:nvSpPr>
+        <p:spPr>
+          <a:xfrm>
+            <a:off x="5180013" y="6502400"/>
+            <a:ext cx="3962400" cy="341313"/>
+          </a:xfrm>
+          <a:prstGeom prst="rect">
+            <a:avLst/>
+          </a:prstGeom>
+        </p:spPr>
+        <p:txBody>
+          <a:bodyPr vert="horz" lIns="91440" tIns="45720" rIns="91440" bIns="45720" rtlCol="0" anchor="b"/>
+          <a:lstStyle>
+            <a:lvl1pPr algn="r">
+              <a:defRPr sz="1200"/>
+            </a:lvl1pPr>
+          </a:lstStyle>
+          <a:p>
+            <a:r>
+              <a:rPr lang="cs-CZ"/>
+              <a:t>‹#›</a:t>
+            </a:r>
+          </a:p>
+        </p:txBody>
+      </p:sp>
+    </p:spTree>
+  </p:cSld>
+  <p:clrMapOvr>
+    <a:masterClrMapping/>
+  </p:clrMapOvr>
+</p:notes>
+</file>
+
+<file path=ppt/notesSlides/notesSlide24.xml><?xml version="1.0" encoding="utf-8"?>
 <p:notes xmlns:a="http://schemas.openxmlformats.org/drawingml/2006/main" xmlns:r="http://schemas.openxmlformats.org/officeDocument/2006/relationships" xmlns:p="http://schemas.openxmlformats.org/presentationml/2006/main">
   <p:cSld>
     <p:spTree>
@@ -5508,7 +5951,7 @@
             <a:fld id="{1D8BD707-D9CF-40AE-B4C6-C98DA3205C09}" type="datetimeFigureOut">
               <a:rPr lang="en-US" smtClean="0"/>
               <a:pPr/>
-              <a:t>7/16/2024</a:t>
+              <a:t>7/19/2024</a:t>
             </a:fld>
             <a:endParaRPr lang="en-US"/>
           </a:p>
@@ -5673,7 +6116,7 @@
             <a:fld id="{1D8BD707-D9CF-40AE-B4C6-C98DA3205C09}" type="datetimeFigureOut">
               <a:rPr lang="en-US" smtClean="0"/>
               <a:pPr/>
-              <a:t>7/16/2024</a:t>
+              <a:t>7/19/2024</a:t>
             </a:fld>
             <a:endParaRPr lang="en-US"/>
           </a:p>
@@ -5848,7 +6291,7 @@
             <a:fld id="{1D8BD707-D9CF-40AE-B4C6-C98DA3205C09}" type="datetimeFigureOut">
               <a:rPr lang="en-US" smtClean="0"/>
               <a:pPr/>
-              <a:t>7/16/2024</a:t>
+              <a:t>7/19/2024</a:t>
             </a:fld>
             <a:endParaRPr lang="en-US"/>
           </a:p>
@@ -6013,7 +6456,7 @@
             <a:fld id="{1D8BD707-D9CF-40AE-B4C6-C98DA3205C09}" type="datetimeFigureOut">
               <a:rPr lang="en-US" smtClean="0"/>
               <a:pPr/>
-              <a:t>7/16/2024</a:t>
+              <a:t>7/19/2024</a:t>
             </a:fld>
             <a:endParaRPr lang="en-US"/>
           </a:p>
@@ -6255,7 +6698,7 @@
             <a:fld id="{1D8BD707-D9CF-40AE-B4C6-C98DA3205C09}" type="datetimeFigureOut">
               <a:rPr lang="en-US" smtClean="0"/>
               <a:pPr/>
-              <a:t>7/16/2024</a:t>
+              <a:t>7/19/2024</a:t>
             </a:fld>
             <a:endParaRPr lang="en-US"/>
           </a:p>
@@ -6537,7 +6980,7 @@
             <a:fld id="{1D8BD707-D9CF-40AE-B4C6-C98DA3205C09}" type="datetimeFigureOut">
               <a:rPr lang="en-US" smtClean="0"/>
               <a:pPr/>
-              <a:t>7/16/2024</a:t>
+              <a:t>7/19/2024</a:t>
             </a:fld>
             <a:endParaRPr lang="en-US"/>
           </a:p>
@@ -6953,7 +7396,7 @@
             <a:fld id="{1D8BD707-D9CF-40AE-B4C6-C98DA3205C09}" type="datetimeFigureOut">
               <a:rPr lang="en-US" smtClean="0"/>
               <a:pPr/>
-              <a:t>7/16/2024</a:t>
+              <a:t>7/19/2024</a:t>
             </a:fld>
             <a:endParaRPr lang="en-US"/>
           </a:p>
@@ -7067,7 +7510,7 @@
             <a:fld id="{1D8BD707-D9CF-40AE-B4C6-C98DA3205C09}" type="datetimeFigureOut">
               <a:rPr lang="en-US" smtClean="0"/>
               <a:pPr/>
-              <a:t>7/16/2024</a:t>
+              <a:t>7/19/2024</a:t>
             </a:fld>
             <a:endParaRPr lang="en-US"/>
           </a:p>
@@ -7159,7 +7602,7 @@
             <a:fld id="{1D8BD707-D9CF-40AE-B4C6-C98DA3205C09}" type="datetimeFigureOut">
               <a:rPr lang="en-US" smtClean="0"/>
               <a:pPr/>
-              <a:t>7/16/2024</a:t>
+              <a:t>7/19/2024</a:t>
             </a:fld>
             <a:endParaRPr lang="en-US"/>
           </a:p>
@@ -7431,7 +7874,7 @@
             <a:fld id="{1D8BD707-D9CF-40AE-B4C6-C98DA3205C09}" type="datetimeFigureOut">
               <a:rPr lang="en-US" smtClean="0"/>
               <a:pPr/>
-              <a:t>7/16/2024</a:t>
+              <a:t>7/19/2024</a:t>
             </a:fld>
             <a:endParaRPr lang="en-US"/>
           </a:p>
@@ -7680,7 +8123,7 @@
             <a:fld id="{1D8BD707-D9CF-40AE-B4C6-C98DA3205C09}" type="datetimeFigureOut">
               <a:rPr lang="en-US" smtClean="0"/>
               <a:pPr/>
-              <a:t>7/16/2024</a:t>
+              <a:t>7/19/2024</a:t>
             </a:fld>
             <a:endParaRPr lang="en-US"/>
           </a:p>
@@ -7888,7 +8331,7 @@
             <a:fld id="{1D8BD707-D9CF-40AE-B4C6-C98DA3205C09}" type="datetimeFigureOut">
               <a:rPr lang="en-US" smtClean="0"/>
               <a:pPr/>
-              <a:t>7/16/2024</a:t>
+              <a:t>7/19/2024</a:t>
             </a:fld>
             <a:endParaRPr lang="en-US"/>
           </a:p>
@@ -8677,31 +9120,7 @@
                 <a:cs typeface="Arimo Bold"/>
                 <a:sym typeface="Arimo Bold"/>
               </a:rPr>
-              <a:t>Ordinal Encoding(Gender:</a:t>
-            </a:r>
-            <a:r>
-              <a:rPr lang="zh-TW" altLang="en-US" sz="5600" dirty="0">
-                <a:solidFill>
-                  <a:srgbClr val="000000"/>
-                </a:solidFill>
-                <a:latin typeface="Arimo Bold"/>
-                <a:ea typeface="Arimo Bold"/>
-                <a:cs typeface="Arimo Bold"/>
-                <a:sym typeface="Arimo Bold"/>
-              </a:rPr>
-              <a:t> </a:t>
-            </a:r>
-            <a:r>
-              <a:rPr lang="en-US" sz="5600" dirty="0">
-                <a:solidFill>
-                  <a:srgbClr val="000000"/>
-                </a:solidFill>
-                <a:latin typeface="Arimo Bold"/>
-                <a:ea typeface="Arimo Bold"/>
-                <a:cs typeface="Arimo Bold"/>
-                <a:sym typeface="Arimo Bold"/>
-              </a:rPr>
-              <a:t>Int</a:t>
+              <a:t>Ordinal Encoding(</a:t>
             </a:r>
             <a:r>
               <a:rPr lang="en-US" altLang="zh-TW" sz="5600" dirty="0">
@@ -8713,7 +9132,7 @@
                 <a:cs typeface="Arimo Bold"/>
                 <a:sym typeface="Arimo Bold"/>
               </a:rPr>
-              <a:t>, Churn: String</a:t>
+              <a:t>Churn: String</a:t>
             </a:r>
             <a:r>
               <a:rPr lang="en-US" sz="5600" dirty="0">
@@ -9274,119 +9693,13 @@
       </p:grpSp>
       <p:sp>
         <p:nvSpPr>
-          <p:cNvPr id="5" name="Freeform 5"/>
-          <p:cNvSpPr/>
-          <p:nvPr/>
-        </p:nvSpPr>
-        <p:spPr>
-          <a:xfrm>
-            <a:off x="1028700" y="1749754"/>
-            <a:ext cx="7280400" cy="6253289"/>
-          </a:xfrm>
-          <a:custGeom>
-            <a:avLst/>
-            <a:gdLst/>
-            <a:ahLst/>
-            <a:cxnLst/>
-            <a:rect l="l" t="t" r="r" b="b"/>
-            <a:pathLst>
-              <a:path w="7280400" h="6253289">
-                <a:moveTo>
-                  <a:pt x="0" y="0"/>
-                </a:moveTo>
-                <a:lnTo>
-                  <a:pt x="7280400" y="0"/>
-                </a:lnTo>
-                <a:lnTo>
-                  <a:pt x="7280400" y="6253290"/>
-                </a:lnTo>
-                <a:lnTo>
-                  <a:pt x="0" y="6253290"/>
-                </a:lnTo>
-                <a:lnTo>
-                  <a:pt x="0" y="0"/>
-                </a:lnTo>
-                <a:close/>
-              </a:path>
-            </a:pathLst>
-          </a:custGeom>
-          <a:blipFill>
-            <a:blip r:embed="rId4"/>
-            <a:stretch>
-              <a:fillRect/>
-            </a:stretch>
-          </a:blipFill>
-        </p:spPr>
-        <p:txBody>
-          <a:bodyPr/>
-          <a:lstStyle/>
-          <a:p>
-            <a:endParaRPr lang="zh-TW" altLang="en-US"/>
-          </a:p>
-        </p:txBody>
-      </p:sp>
-      <p:sp>
-        <p:nvSpPr>
-          <p:cNvPr id="6" name="Freeform 6"/>
-          <p:cNvSpPr/>
-          <p:nvPr/>
-        </p:nvSpPr>
-        <p:spPr>
-          <a:xfrm>
-            <a:off x="9988672" y="432145"/>
-            <a:ext cx="5225802" cy="5736769"/>
-          </a:xfrm>
-          <a:custGeom>
-            <a:avLst/>
-            <a:gdLst/>
-            <a:ahLst/>
-            <a:cxnLst/>
-            <a:rect l="l" t="t" r="r" b="b"/>
-            <a:pathLst>
-              <a:path w="5225802" h="5736769">
-                <a:moveTo>
-                  <a:pt x="0" y="0"/>
-                </a:moveTo>
-                <a:lnTo>
-                  <a:pt x="5225802" y="0"/>
-                </a:lnTo>
-                <a:lnTo>
-                  <a:pt x="5225802" y="5736769"/>
-                </a:lnTo>
-                <a:lnTo>
-                  <a:pt x="0" y="5736769"/>
-                </a:lnTo>
-                <a:lnTo>
-                  <a:pt x="0" y="0"/>
-                </a:lnTo>
-                <a:close/>
-              </a:path>
-            </a:pathLst>
-          </a:custGeom>
-          <a:blipFill>
-            <a:blip r:embed="rId5"/>
-            <a:stretch>
-              <a:fillRect/>
-            </a:stretch>
-          </a:blipFill>
-        </p:spPr>
-        <p:txBody>
-          <a:bodyPr/>
-          <a:lstStyle/>
-          <a:p>
-            <a:endParaRPr lang="zh-TW" altLang="en-US" dirty="0"/>
-          </a:p>
-        </p:txBody>
-      </p:sp>
-      <p:sp>
-        <p:nvSpPr>
           <p:cNvPr id="7" name="TextBox 7"/>
           <p:cNvSpPr txBox="1"/>
           <p:nvPr/>
         </p:nvSpPr>
         <p:spPr>
           <a:xfrm>
-            <a:off x="4943154" y="9170100"/>
+            <a:off x="309219" y="8296030"/>
             <a:ext cx="8931950" cy="717184"/>
           </a:xfrm>
           <a:prstGeom prst="rect">
@@ -9408,7 +9721,7 @@
               </a:spcBef>
             </a:pPr>
             <a:r>
-              <a:rPr lang="en-US" sz="4800" dirty="0">
+              <a:rPr lang="en-US" sz="4400" dirty="0">
                 <a:solidFill>
                   <a:srgbClr val="000000"/>
                 </a:solidFill>
@@ -9417,10 +9730,10 @@
                 <a:cs typeface="Arimo Bold"/>
                 <a:sym typeface="Arimo Bold"/>
               </a:rPr>
-              <a:t>Ordinal Encoding(</a:t>
-            </a:r>
-            <a:r>
-              <a:rPr lang="en-US" sz="4800" dirty="0" err="1">
+              <a:t>Ordinal Encoding</a:t>
+            </a:r>
+            <a:r>
+              <a:rPr lang="en-US" altLang="zh-TW" sz="4400" dirty="0">
                 <a:solidFill>
                   <a:srgbClr val="000000"/>
                 </a:solidFill>
@@ -9429,10 +9742,10 @@
                 <a:cs typeface="Arimo Bold"/>
                 <a:sym typeface="Arimo Bold"/>
               </a:rPr>
-              <a:t>Gender:Int</a:t>
-            </a:r>
-            <a:r>
-              <a:rPr lang="en-US" sz="4800" dirty="0">
+              <a:t> (Churn:</a:t>
+            </a:r>
+            <a:r>
+              <a:rPr lang="zh-TW" altLang="en-US" sz="4400" dirty="0">
                 <a:solidFill>
                   <a:srgbClr val="000000"/>
                 </a:solidFill>
@@ -9441,8 +9754,29 @@
                 <a:cs typeface="Arimo Bold"/>
                 <a:sym typeface="Arimo Bold"/>
               </a:rPr>
-              <a:t>)</a:t>
-            </a:r>
+              <a:t> </a:t>
+            </a:r>
+            <a:r>
+              <a:rPr lang="en-US" altLang="zh-TW" sz="4400" dirty="0">
+                <a:solidFill>
+                  <a:srgbClr val="000000"/>
+                </a:solidFill>
+                <a:latin typeface="Arimo Bold"/>
+                <a:ea typeface="Arimo Bold"/>
+                <a:cs typeface="Arimo Bold"/>
+                <a:sym typeface="Arimo Bold"/>
+              </a:rPr>
+              <a:t>Int)</a:t>
+            </a:r>
+            <a:endParaRPr lang="en-US" sz="4400" dirty="0">
+              <a:solidFill>
+                <a:srgbClr val="000000"/>
+              </a:solidFill>
+              <a:latin typeface="Arimo Bold"/>
+              <a:ea typeface="Arimo Bold"/>
+              <a:cs typeface="Arimo Bold"/>
+              <a:sym typeface="Arimo Bold"/>
+            </a:endParaRPr>
           </a:p>
         </p:txBody>
       </p:sp>
@@ -9586,7 +9920,7 @@
         </p:nvSpPr>
         <p:spPr>
           <a:xfrm>
-            <a:off x="9696722" y="8491135"/>
+            <a:off x="9687377" y="8642810"/>
             <a:ext cx="1961878" cy="418320"/>
           </a:xfrm>
           <a:prstGeom prst="rect">
@@ -9630,7 +9964,7 @@
         </p:nvSpPr>
         <p:spPr>
           <a:xfrm>
-            <a:off x="9409129" y="7927367"/>
+            <a:off x="9472452" y="7987922"/>
             <a:ext cx="2391727" cy="448885"/>
           </a:xfrm>
           <a:prstGeom prst="rect">
@@ -9652,7 +9986,7 @@
               </a:spcBef>
             </a:pPr>
             <a:r>
-              <a:rPr lang="en-US" sz="2799">
+              <a:rPr lang="en-US" sz="2799" dirty="0">
                 <a:solidFill>
                   <a:srgbClr val="000000"/>
                 </a:solidFill>
@@ -9675,7 +10009,7 @@
         <p:spPr>
           <a:xfrm>
             <a:off x="615070" y="500360"/>
-            <a:ext cx="18361245" cy="916940"/>
+            <a:ext cx="18361245" cy="836704"/>
           </a:xfrm>
           <a:prstGeom prst="rect">
             <a:avLst/>
@@ -9693,7 +10027,7 @@
               </a:lnSpc>
             </a:pPr>
             <a:r>
-              <a:rPr lang="en-US" sz="5600">
+              <a:rPr lang="en-US" sz="5600" dirty="0">
                 <a:solidFill>
                   <a:srgbClr val="000000"/>
                 </a:solidFill>
@@ -9704,6 +10038,27 @@
               </a:rPr>
               <a:t>Imply Prior Knowledge</a:t>
             </a:r>
+            <a:r>
+              <a:rPr lang="en-US" altLang="zh-TW" sz="5600" dirty="0">
+                <a:solidFill>
+                  <a:srgbClr val="000000"/>
+                </a:solidFill>
+                <a:latin typeface="Arimo Bold"/>
+                <a:ea typeface="Arimo Bold"/>
+                <a:cs typeface="Arimo Bold"/>
+                <a:sym typeface="Arimo Bold"/>
+              </a:rPr>
+              <a:t>(Best Result)</a:t>
+            </a:r>
+            <a:endParaRPr lang="en-US" sz="5600" dirty="0">
+              <a:solidFill>
+                <a:srgbClr val="000000"/>
+              </a:solidFill>
+              <a:latin typeface="Arimo Bold"/>
+              <a:ea typeface="Arimo Bold"/>
+              <a:cs typeface="Arimo Bold"/>
+              <a:sym typeface="Arimo Bold"/>
+            </a:endParaRPr>
           </a:p>
         </p:txBody>
       </p:sp>
@@ -9771,7 +10126,7 @@
         </p:nvSpPr>
         <p:spPr>
           <a:xfrm>
-            <a:off x="13258800" y="8518518"/>
+            <a:off x="13230789" y="8617960"/>
             <a:ext cx="4184227" cy="418320"/>
           </a:xfrm>
           <a:prstGeom prst="rect">
@@ -9815,7 +10170,7 @@
         </p:nvSpPr>
         <p:spPr>
           <a:xfrm>
-            <a:off x="13512527" y="8000534"/>
+            <a:off x="13522595" y="7984964"/>
             <a:ext cx="3567923" cy="418320"/>
           </a:xfrm>
           <a:prstGeom prst="rect">
@@ -9860,6 +10215,285 @@
               </a:rPr>
               <a:t>:  -0.067</a:t>
             </a:r>
+          </a:p>
+        </p:txBody>
+      </p:sp>
+      <p:pic>
+        <p:nvPicPr>
+          <p:cNvPr id="22" name="圖片 21">
+            <a:extLst>
+              <a:ext uri="{FF2B5EF4-FFF2-40B4-BE49-F238E27FC236}">
+                <a16:creationId xmlns:a16="http://schemas.microsoft.com/office/drawing/2014/main" id="{CD2C0776-0D09-4237-654F-DBAF1330D7BD}"/>
+              </a:ext>
+            </a:extLst>
+          </p:cNvPr>
+          <p:cNvPicPr>
+            <a:picLocks noChangeAspect="1"/>
+          </p:cNvPicPr>
+          <p:nvPr/>
+        </p:nvPicPr>
+        <p:blipFill>
+          <a:blip r:embed="rId4"/>
+          <a:stretch>
+            <a:fillRect/>
+          </a:stretch>
+        </p:blipFill>
+        <p:spPr>
+          <a:xfrm>
+            <a:off x="1197482" y="2036211"/>
+            <a:ext cx="7155424" cy="5964324"/>
+          </a:xfrm>
+          <a:prstGeom prst="rect">
+            <a:avLst/>
+          </a:prstGeom>
+        </p:spPr>
+      </p:pic>
+      <p:pic>
+        <p:nvPicPr>
+          <p:cNvPr id="24" name="圖片 23">
+            <a:extLst>
+              <a:ext uri="{FF2B5EF4-FFF2-40B4-BE49-F238E27FC236}">
+                <a16:creationId xmlns:a16="http://schemas.microsoft.com/office/drawing/2014/main" id="{AE86C1EB-7BAD-8787-0BD7-A4FDB5C7F6A5}"/>
+              </a:ext>
+            </a:extLst>
+          </p:cNvPr>
+          <p:cNvPicPr>
+            <a:picLocks noChangeAspect="1"/>
+          </p:cNvPicPr>
+          <p:nvPr/>
+        </p:nvPicPr>
+        <p:blipFill>
+          <a:blip r:embed="rId5"/>
+          <a:stretch>
+            <a:fillRect/>
+          </a:stretch>
+        </p:blipFill>
+        <p:spPr>
+          <a:xfrm>
+            <a:off x="9141542" y="1423445"/>
+            <a:ext cx="7811405" cy="4812383"/>
+          </a:xfrm>
+          <a:prstGeom prst="rect">
+            <a:avLst/>
+          </a:prstGeom>
+        </p:spPr>
+      </p:pic>
+      <p:sp>
+        <p:nvSpPr>
+          <p:cNvPr id="25" name="TextBox 11">
+            <a:extLst>
+              <a:ext uri="{FF2B5EF4-FFF2-40B4-BE49-F238E27FC236}">
+                <a16:creationId xmlns:a16="http://schemas.microsoft.com/office/drawing/2014/main" id="{F267660F-B9DF-6E50-21C2-AC70A3F334C4}"/>
+              </a:ext>
+            </a:extLst>
+          </p:cNvPr>
+          <p:cNvSpPr txBox="1"/>
+          <p:nvPr/>
+        </p:nvSpPr>
+        <p:spPr>
+          <a:xfrm>
+            <a:off x="8687432" y="9294863"/>
+            <a:ext cx="4396747" cy="418320"/>
+          </a:xfrm>
+          <a:prstGeom prst="rect">
+            <a:avLst/>
+          </a:prstGeom>
+        </p:spPr>
+        <p:txBody>
+          <a:bodyPr wrap="square" lIns="0" tIns="0" rIns="0" bIns="0" rtlCol="0" anchor="t">
+            <a:spAutoFit/>
+          </a:bodyPr>
+          <a:lstStyle/>
+          <a:p>
+            <a:pPr algn="ctr">
+              <a:lnSpc>
+                <a:spcPts val="3499"/>
+              </a:lnSpc>
+              <a:spcBef>
+                <a:spcPct val="0"/>
+              </a:spcBef>
+            </a:pPr>
+            <a:r>
+              <a:rPr lang="en-US" altLang="zh-TW" sz="2799" dirty="0">
+                <a:solidFill>
+                  <a:srgbClr val="000000"/>
+                </a:solidFill>
+                <a:latin typeface="Arimo Bold"/>
+                <a:ea typeface="Arimo Bold"/>
+                <a:cs typeface="Arimo Bold"/>
+                <a:sym typeface="Arimo Bold"/>
+              </a:rPr>
+              <a:t>Subscription</a:t>
+            </a:r>
+            <a:r>
+              <a:rPr lang="zh-TW" altLang="en-US" sz="2799" dirty="0">
+                <a:solidFill>
+                  <a:srgbClr val="000000"/>
+                </a:solidFill>
+                <a:latin typeface="Arimo Bold"/>
+                <a:ea typeface="Arimo Bold"/>
+                <a:cs typeface="Arimo Bold"/>
+                <a:sym typeface="Arimo Bold"/>
+              </a:rPr>
+              <a:t> </a:t>
+            </a:r>
+            <a:r>
+              <a:rPr lang="en-US" altLang="zh-TW" sz="2799" dirty="0">
+                <a:solidFill>
+                  <a:srgbClr val="000000"/>
+                </a:solidFill>
+                <a:latin typeface="Arimo Bold"/>
+                <a:ea typeface="Arimo Bold"/>
+                <a:cs typeface="Arimo Bold"/>
+                <a:sym typeface="Arimo Bold"/>
+              </a:rPr>
+              <a:t>Type</a:t>
+            </a:r>
+            <a:r>
+              <a:rPr lang="en-US" sz="2799" dirty="0">
+                <a:solidFill>
+                  <a:srgbClr val="000000"/>
+                </a:solidFill>
+                <a:latin typeface="Arimo Bold"/>
+                <a:ea typeface="Arimo Bold"/>
+                <a:cs typeface="Arimo Bold"/>
+                <a:sym typeface="Arimo Bold"/>
+              </a:rPr>
+              <a:t>:  0.043</a:t>
+            </a:r>
+          </a:p>
+        </p:txBody>
+      </p:sp>
+      <p:sp>
+        <p:nvSpPr>
+          <p:cNvPr id="26" name="TextBox 11">
+            <a:extLst>
+              <a:ext uri="{FF2B5EF4-FFF2-40B4-BE49-F238E27FC236}">
+                <a16:creationId xmlns:a16="http://schemas.microsoft.com/office/drawing/2014/main" id="{DE6963DF-681B-B432-B3D0-38300798B93C}"/>
+              </a:ext>
+            </a:extLst>
+          </p:cNvPr>
+          <p:cNvSpPr txBox="1"/>
+          <p:nvPr/>
+        </p:nvSpPr>
+        <p:spPr>
+          <a:xfrm>
+            <a:off x="13208227" y="9294863"/>
+            <a:ext cx="4396747" cy="418320"/>
+          </a:xfrm>
+          <a:prstGeom prst="rect">
+            <a:avLst/>
+          </a:prstGeom>
+        </p:spPr>
+        <p:txBody>
+          <a:bodyPr wrap="square" lIns="0" tIns="0" rIns="0" bIns="0" rtlCol="0" anchor="t">
+            <a:spAutoFit/>
+          </a:bodyPr>
+          <a:lstStyle/>
+          <a:p>
+            <a:pPr algn="ctr">
+              <a:lnSpc>
+                <a:spcPts val="3499"/>
+              </a:lnSpc>
+              <a:spcBef>
+                <a:spcPct val="0"/>
+              </a:spcBef>
+            </a:pPr>
+            <a:r>
+              <a:rPr lang="en-US" altLang="zh-TW" sz="2799" dirty="0">
+                <a:solidFill>
+                  <a:srgbClr val="000000"/>
+                </a:solidFill>
+                <a:latin typeface="Arimo Bold"/>
+                <a:ea typeface="Arimo Bold"/>
+                <a:cs typeface="Arimo Bold"/>
+                <a:sym typeface="Arimo Bold"/>
+              </a:rPr>
+              <a:t>Last </a:t>
+            </a:r>
+            <a:r>
+              <a:rPr lang="en-US" altLang="zh-TW" sz="2799" dirty="0" err="1">
+                <a:solidFill>
+                  <a:srgbClr val="000000"/>
+                </a:solidFill>
+                <a:latin typeface="Arimo Bold"/>
+                <a:ea typeface="Arimo Bold"/>
+                <a:cs typeface="Arimo Bold"/>
+                <a:sym typeface="Arimo Bold"/>
+              </a:rPr>
+              <a:t>Interation</a:t>
+            </a:r>
+            <a:r>
+              <a:rPr lang="en-US" sz="2799" dirty="0">
+                <a:solidFill>
+                  <a:srgbClr val="000000"/>
+                </a:solidFill>
+                <a:latin typeface="Arimo Bold"/>
+                <a:ea typeface="Arimo Bold"/>
+                <a:cs typeface="Arimo Bold"/>
+                <a:sym typeface="Arimo Bold"/>
+              </a:rPr>
+              <a:t>:  0.04</a:t>
+            </a:r>
+          </a:p>
+        </p:txBody>
+      </p:sp>
+      <p:sp>
+        <p:nvSpPr>
+          <p:cNvPr id="27" name="TextBox 7">
+            <a:extLst>
+              <a:ext uri="{FF2B5EF4-FFF2-40B4-BE49-F238E27FC236}">
+                <a16:creationId xmlns:a16="http://schemas.microsoft.com/office/drawing/2014/main" id="{13FAD194-1704-8E67-C62F-1D728F36E363}"/>
+              </a:ext>
+            </a:extLst>
+          </p:cNvPr>
+          <p:cNvSpPr txBox="1"/>
+          <p:nvPr/>
+        </p:nvSpPr>
+        <p:spPr>
+          <a:xfrm>
+            <a:off x="309219" y="9069874"/>
+            <a:ext cx="8931950" cy="717184"/>
+          </a:xfrm>
+          <a:prstGeom prst="rect">
+            <a:avLst/>
+          </a:prstGeom>
+        </p:spPr>
+        <p:txBody>
+          <a:bodyPr wrap="square" lIns="0" tIns="0" rIns="0" bIns="0" rtlCol="0" anchor="t">
+            <a:spAutoFit/>
+          </a:bodyPr>
+          <a:lstStyle/>
+          <a:p>
+            <a:pPr algn="ctr">
+              <a:lnSpc>
+                <a:spcPts val="6000"/>
+              </a:lnSpc>
+              <a:spcBef>
+                <a:spcPct val="0"/>
+              </a:spcBef>
+            </a:pPr>
+            <a:r>
+              <a:rPr lang="en-US" altLang="zh-TW" sz="4400" dirty="0">
+                <a:solidFill>
+                  <a:srgbClr val="000000"/>
+                </a:solidFill>
+                <a:latin typeface="Arimo" panose="02020500000000000000" charset="0"/>
+                <a:ea typeface="Arimo" panose="02020500000000000000" charset="0"/>
+                <a:cs typeface="Arimo" panose="02020500000000000000" charset="0"/>
+                <a:sym typeface="Arimo Bold"/>
+              </a:rPr>
+              <a:t>Including All Factors</a:t>
+            </a:r>
+            <a:endParaRPr lang="en-US" sz="4400" dirty="0">
+              <a:solidFill>
+                <a:srgbClr val="000000"/>
+              </a:solidFill>
+              <a:latin typeface="Arimo" panose="02020500000000000000" charset="0"/>
+              <a:ea typeface="Arimo" panose="02020500000000000000" charset="0"/>
+              <a:cs typeface="Arimo" panose="02020500000000000000" charset="0"/>
+              <a:sym typeface="Arimo Bold"/>
+            </a:endParaRPr>
           </a:p>
         </p:txBody>
       </p:sp>
@@ -11025,7 +11659,7 @@
         </p:nvGrpSpPr>
         <p:grpSpPr>
           <a:xfrm>
-            <a:off x="0" y="0"/>
+            <a:off x="1249" y="-29356"/>
             <a:ext cx="18288000" cy="10287000"/>
             <a:chOff x="0" y="0"/>
             <a:chExt cx="24384000" cy="13716000"/>
@@ -11136,7 +11770,7 @@
         </p:nvSpPr>
         <p:spPr>
           <a:xfrm>
-            <a:off x="-46045" y="8743186"/>
+            <a:off x="-46045" y="8602561"/>
             <a:ext cx="9490586" cy="847348"/>
           </a:xfrm>
           <a:prstGeom prst="rect">
@@ -11168,20 +11802,47 @@
                 <a:cs typeface="Arimo Bold"/>
                 <a:sym typeface="Arimo Bold"/>
               </a:rPr>
-              <a:t>Ordinal Encoding (</a:t>
-            </a:r>
-            <a:r>
-              <a:rPr lang="en-US" altLang="zh-TW" sz="2800" dirty="0" err="1">
-                <a:solidFill>
-                  <a:srgbClr val="000000"/>
-                </a:solidFill>
-                <a:latin typeface="Arimo Bold"/>
-                <a:ea typeface="Arimo Bold"/>
-                <a:cs typeface="Arimo Bold"/>
-                <a:sym typeface="Arimo Bold"/>
-              </a:rPr>
-              <a:t>Gender:Int</a:t>
-            </a:r>
+              <a:t>Ordinal Encoding</a:t>
+            </a:r>
+          </a:p>
+        </p:txBody>
+      </p:sp>
+      <p:sp>
+        <p:nvSpPr>
+          <p:cNvPr id="24" name="文字方塊 23">
+            <a:extLst>
+              <a:ext uri="{FF2B5EF4-FFF2-40B4-BE49-F238E27FC236}">
+                <a16:creationId xmlns:a16="http://schemas.microsoft.com/office/drawing/2014/main" id="{BC1E9B3A-C408-D4F5-2631-D16B559AFD8C}"/>
+              </a:ext>
+            </a:extLst>
+          </p:cNvPr>
+          <p:cNvSpPr txBox="1"/>
+          <p:nvPr/>
+        </p:nvSpPr>
+        <p:spPr>
+          <a:xfrm>
+            <a:off x="9489674" y="7235933"/>
+            <a:ext cx="5562600" cy="1745029"/>
+          </a:xfrm>
+          <a:prstGeom prst="rect">
+            <a:avLst/>
+          </a:prstGeom>
+          <a:noFill/>
+        </p:spPr>
+        <p:txBody>
+          <a:bodyPr wrap="square">
+            <a:spAutoFit/>
+          </a:bodyPr>
+          <a:lstStyle/>
+          <a:p>
+            <a:pPr algn="ctr">
+              <a:lnSpc>
+                <a:spcPts val="7000"/>
+              </a:lnSpc>
+              <a:spcBef>
+                <a:spcPct val="0"/>
+              </a:spcBef>
+            </a:pPr>
             <a:r>
               <a:rPr lang="en-US" altLang="zh-TW" sz="2800" dirty="0">
                 <a:solidFill>
@@ -11192,82 +11853,7 @@
                 <a:cs typeface="Arimo Bold"/>
                 <a:sym typeface="Arimo Bold"/>
               </a:rPr>
-              <a:t>)</a:t>
-            </a:r>
-          </a:p>
-        </p:txBody>
-      </p:sp>
-      <p:sp>
-        <p:nvSpPr>
-          <p:cNvPr id="24" name="文字方塊 23">
-            <a:extLst>
-              <a:ext uri="{FF2B5EF4-FFF2-40B4-BE49-F238E27FC236}">
-                <a16:creationId xmlns:a16="http://schemas.microsoft.com/office/drawing/2014/main" id="{BC1E9B3A-C408-D4F5-2631-D16B559AFD8C}"/>
-              </a:ext>
-            </a:extLst>
-          </p:cNvPr>
-          <p:cNvSpPr txBox="1"/>
-          <p:nvPr/>
-        </p:nvSpPr>
-        <p:spPr>
-          <a:xfrm>
-            <a:off x="9489674" y="7235933"/>
-            <a:ext cx="5562600" cy="1745029"/>
-          </a:xfrm>
-          <a:prstGeom prst="rect">
-            <a:avLst/>
-          </a:prstGeom>
-          <a:noFill/>
-        </p:spPr>
-        <p:txBody>
-          <a:bodyPr wrap="square">
-            <a:spAutoFit/>
-          </a:bodyPr>
-          <a:lstStyle/>
-          <a:p>
-            <a:pPr algn="ctr">
-              <a:lnSpc>
-                <a:spcPts val="7000"/>
-              </a:lnSpc>
-              <a:spcBef>
-                <a:spcPct val="0"/>
-              </a:spcBef>
-            </a:pPr>
-            <a:r>
-              <a:rPr lang="en-US" altLang="zh-TW" sz="2800" dirty="0">
-                <a:solidFill>
-                  <a:srgbClr val="000000"/>
-                </a:solidFill>
-                <a:latin typeface="Arimo Bold"/>
-                <a:ea typeface="Arimo Bold"/>
-                <a:cs typeface="Arimo Bold"/>
-                <a:sym typeface="Arimo Bold"/>
-              </a:rPr>
-              <a:t>Ordinal Encoding(</a:t>
-            </a:r>
-            <a:r>
-              <a:rPr lang="en-US" altLang="zh-TW" sz="2800" dirty="0" err="1">
-                <a:solidFill>
-                  <a:srgbClr val="000000"/>
-                </a:solidFill>
-                <a:latin typeface="Arimo Bold"/>
-                <a:ea typeface="Arimo Bold"/>
-                <a:cs typeface="Arimo Bold"/>
-                <a:sym typeface="Arimo Bold"/>
-              </a:rPr>
-              <a:t>Gender:Int</a:t>
-            </a:r>
-            <a:r>
-              <a:rPr lang="en-US" altLang="zh-TW" sz="2800" dirty="0">
-                <a:solidFill>
-                  <a:srgbClr val="000000"/>
-                </a:solidFill>
-                <a:latin typeface="Arimo Bold"/>
-                <a:ea typeface="Arimo Bold"/>
-                <a:cs typeface="Arimo Bold"/>
-                <a:sym typeface="Arimo Bold"/>
-              </a:rPr>
-              <a:t>),</a:t>
+              <a:t>Ordinal Encoding</a:t>
             </a:r>
           </a:p>
           <a:p>
@@ -11367,8 +11953,8 @@
         </p:nvSpPr>
         <p:spPr>
           <a:xfrm>
-            <a:off x="1945968" y="6193531"/>
-            <a:ext cx="5653144" cy="2776738"/>
+            <a:off x="1653030" y="6297046"/>
+            <a:ext cx="6203667" cy="2276159"/>
           </a:xfrm>
           <a:custGeom>
             <a:avLst/>
@@ -11400,7 +11986,7 @@
           <a:blipFill>
             <a:blip r:embed="rId5"/>
             <a:stretch>
-              <a:fillRect t="-1" r="-41674" b="-25424"/>
+              <a:fillRect t="-33872" r="-41674" b="-34036"/>
             </a:stretch>
           </a:blipFill>
         </p:spPr>
@@ -11412,124 +11998,65 @@
           </a:p>
         </p:txBody>
       </p:sp>
-      <p:sp>
-        <p:nvSpPr>
-          <p:cNvPr id="11" name="Freeform 5">
+      <p:pic>
+        <p:nvPicPr>
+          <p:cNvPr id="6" name="圖片 5">
             <a:extLst>
               <a:ext uri="{FF2B5EF4-FFF2-40B4-BE49-F238E27FC236}">
-                <a16:creationId xmlns:a16="http://schemas.microsoft.com/office/drawing/2014/main" id="{E4EEC34E-0DA1-449C-1653-50C42FCEE0E2}"/>
+                <a16:creationId xmlns:a16="http://schemas.microsoft.com/office/drawing/2014/main" id="{074986AE-4219-F16B-F8B7-8CB7349D7F4D}"/>
               </a:ext>
             </a:extLst>
           </p:cNvPr>
-          <p:cNvSpPr/>
+          <p:cNvPicPr>
+            <a:picLocks noChangeAspect="1"/>
+          </p:cNvPicPr>
           <p:nvPr/>
-        </p:nvSpPr>
-        <p:spPr>
-          <a:xfrm>
-            <a:off x="7644245" y="2366692"/>
-            <a:ext cx="5187740" cy="4455859"/>
-          </a:xfrm>
-          <a:custGeom>
-            <a:avLst/>
-            <a:gdLst/>
-            <a:ahLst/>
-            <a:cxnLst/>
-            <a:rect l="l" t="t" r="r" b="b"/>
-            <a:pathLst>
-              <a:path w="7280400" h="6253289">
-                <a:moveTo>
-                  <a:pt x="0" y="0"/>
-                </a:moveTo>
-                <a:lnTo>
-                  <a:pt x="7280400" y="0"/>
-                </a:lnTo>
-                <a:lnTo>
-                  <a:pt x="7280400" y="6253290"/>
-                </a:lnTo>
-                <a:lnTo>
-                  <a:pt x="0" y="6253290"/>
-                </a:lnTo>
-                <a:lnTo>
-                  <a:pt x="0" y="0"/>
-                </a:lnTo>
-                <a:close/>
-              </a:path>
-            </a:pathLst>
-          </a:custGeom>
-          <a:blipFill>
-            <a:blip r:embed="rId6"/>
-            <a:stretch>
-              <a:fillRect/>
-            </a:stretch>
-          </a:blipFill>
-        </p:spPr>
-        <p:txBody>
-          <a:bodyPr/>
-          <a:lstStyle/>
-          <a:p>
-            <a:endParaRPr lang="zh-TW" altLang="en-US"/>
-          </a:p>
-        </p:txBody>
-      </p:sp>
-      <p:sp>
-        <p:nvSpPr>
-          <p:cNvPr id="12" name="Freeform 6">
+        </p:nvPicPr>
+        <p:blipFill>
+          <a:blip r:embed="rId6"/>
+          <a:stretch>
+            <a:fillRect/>
+          </a:stretch>
+        </p:blipFill>
+        <p:spPr>
+          <a:xfrm>
+            <a:off x="7856697" y="1220754"/>
+            <a:ext cx="6591148" cy="5493978"/>
+          </a:xfrm>
+          <a:prstGeom prst="rect">
+            <a:avLst/>
+          </a:prstGeom>
+        </p:spPr>
+      </p:pic>
+      <p:pic>
+        <p:nvPicPr>
+          <p:cNvPr id="7" name="圖片 6">
             <a:extLst>
               <a:ext uri="{FF2B5EF4-FFF2-40B4-BE49-F238E27FC236}">
-                <a16:creationId xmlns:a16="http://schemas.microsoft.com/office/drawing/2014/main" id="{F683DC19-B682-4BB2-2D21-867844F39029}"/>
+                <a16:creationId xmlns:a16="http://schemas.microsoft.com/office/drawing/2014/main" id="{76C2A1B1-AB3B-D6B4-1AAF-518D92D16076}"/>
               </a:ext>
             </a:extLst>
           </p:cNvPr>
-          <p:cNvSpPr/>
+          <p:cNvPicPr>
+            <a:picLocks noChangeAspect="1"/>
+          </p:cNvPicPr>
           <p:nvPr/>
-        </p:nvSpPr>
-        <p:spPr>
-          <a:xfrm>
-            <a:off x="12854108" y="2504897"/>
-            <a:ext cx="3916354" cy="4317653"/>
-          </a:xfrm>
-          <a:custGeom>
-            <a:avLst/>
-            <a:gdLst/>
-            <a:ahLst/>
-            <a:cxnLst/>
-            <a:rect l="l" t="t" r="r" b="b"/>
-            <a:pathLst>
-              <a:path w="5225802" h="5736769">
-                <a:moveTo>
-                  <a:pt x="0" y="0"/>
-                </a:moveTo>
-                <a:lnTo>
-                  <a:pt x="5225802" y="0"/>
-                </a:lnTo>
-                <a:lnTo>
-                  <a:pt x="5225802" y="5736769"/>
-                </a:lnTo>
-                <a:lnTo>
-                  <a:pt x="0" y="5736769"/>
-                </a:lnTo>
-                <a:lnTo>
-                  <a:pt x="0" y="0"/>
-                </a:lnTo>
-                <a:close/>
-              </a:path>
-            </a:pathLst>
-          </a:custGeom>
-          <a:blipFill>
-            <a:blip r:embed="rId7"/>
-            <a:stretch>
-              <a:fillRect/>
-            </a:stretch>
-          </a:blipFill>
-        </p:spPr>
-        <p:txBody>
-          <a:bodyPr/>
-          <a:lstStyle/>
-          <a:p>
-            <a:endParaRPr lang="zh-TW" altLang="en-US" dirty="0"/>
-          </a:p>
-        </p:txBody>
-      </p:sp>
+        </p:nvPicPr>
+        <p:blipFill rotWithShape="1">
+          <a:blip r:embed="rId7"/>
+          <a:srcRect r="58126"/>
+          <a:stretch/>
+        </p:blipFill>
+        <p:spPr>
+          <a:xfrm>
+            <a:off x="14447845" y="1548150"/>
+            <a:ext cx="3157409" cy="4645381"/>
+          </a:xfrm>
+          <a:prstGeom prst="rect">
+            <a:avLst/>
+          </a:prstGeom>
+        </p:spPr>
+      </p:pic>
     </p:spTree>
     <p:extLst>
       <p:ext uri="{BB962C8B-B14F-4D97-AF65-F5344CB8AC3E}">
@@ -11764,10 +12291,10 @@
                 <a:cs typeface="Arimo Bold"/>
                 <a:sym typeface="Arimo Bold"/>
               </a:rPr>
-              <a:t>Ordinal Encoding (</a:t>
-            </a:r>
-            <a:r>
-              <a:rPr lang="en-US" altLang="zh-TW" sz="2800" dirty="0" err="1">
+              <a:t>Ordinal Encoding (Churn:</a:t>
+            </a:r>
+            <a:r>
+              <a:rPr lang="zh-TW" altLang="en-US" sz="2800" dirty="0">
                 <a:solidFill>
                   <a:srgbClr val="000000"/>
                 </a:solidFill>
@@ -11776,7 +12303,7 @@
                 <a:cs typeface="Arimo Bold"/>
                 <a:sym typeface="Arimo Bold"/>
               </a:rPr>
-              <a:t>Gender:Int</a:t>
+              <a:t> </a:t>
             </a:r>
             <a:r>
               <a:rPr lang="en-US" altLang="zh-TW" sz="2800" dirty="0">
@@ -11788,7 +12315,7 @@
                 <a:cs typeface="Arimo Bold"/>
                 <a:sym typeface="Arimo Bold"/>
               </a:rPr>
-              <a:t>)</a:t>
+              <a:t>Int)</a:t>
             </a:r>
           </a:p>
         </p:txBody>
@@ -11957,55 +12484,7 @@
                 <a:cs typeface="Arimo Bold"/>
                 <a:sym typeface="Arimo Bold"/>
               </a:rPr>
-              <a:t>Ordinal Encoding (</a:t>
-            </a:r>
-            <a:r>
-              <a:rPr lang="en-US" altLang="zh-TW" sz="2800" dirty="0" err="1">
-                <a:solidFill>
-                  <a:srgbClr val="000000"/>
-                </a:solidFill>
-                <a:latin typeface="Arimo Bold"/>
-                <a:ea typeface="Arimo Bold"/>
-                <a:cs typeface="Arimo Bold"/>
-                <a:sym typeface="Arimo Bold"/>
-              </a:rPr>
-              <a:t>Gender:Int</a:t>
-            </a:r>
-            <a:r>
-              <a:rPr lang="en-US" altLang="zh-TW" sz="2800" dirty="0">
-                <a:solidFill>
-                  <a:srgbClr val="000000"/>
-                </a:solidFill>
-                <a:latin typeface="Arimo Bold"/>
-                <a:ea typeface="Arimo Bold"/>
-                <a:cs typeface="Arimo Bold"/>
-                <a:sym typeface="Arimo Bold"/>
-              </a:rPr>
-              <a:t>,</a:t>
-            </a:r>
-            <a:r>
-              <a:rPr lang="zh-TW" altLang="en-US" sz="2800" dirty="0">
-                <a:solidFill>
-                  <a:srgbClr val="000000"/>
-                </a:solidFill>
-                <a:latin typeface="Arimo Bold"/>
-                <a:ea typeface="Arimo Bold"/>
-                <a:cs typeface="Arimo Bold"/>
-                <a:sym typeface="Arimo Bold"/>
-              </a:rPr>
-              <a:t> </a:t>
-            </a:r>
-            <a:r>
-              <a:rPr lang="en-US" altLang="zh-TW" sz="2800" dirty="0">
-                <a:solidFill>
-                  <a:srgbClr val="000000"/>
-                </a:solidFill>
-                <a:latin typeface="Arimo Bold"/>
-                <a:ea typeface="Arimo Bold"/>
-                <a:cs typeface="Arimo Bold"/>
-                <a:sym typeface="Arimo Bold"/>
-              </a:rPr>
-              <a:t>Churn:</a:t>
+              <a:t>Ordinal Encoding (Churn:</a:t>
             </a:r>
             <a:r>
               <a:rPr lang="zh-TW" altLang="en-US" sz="2800" dirty="0">
@@ -12710,13 +13189,13 @@
       </p:grpSp>
       <p:sp>
         <p:nvSpPr>
-          <p:cNvPr id="7" name="TextBox 7"/>
+          <p:cNvPr id="5" name="TextBox 5"/>
           <p:cNvSpPr txBox="1"/>
           <p:nvPr/>
         </p:nvSpPr>
         <p:spPr>
           <a:xfrm>
-            <a:off x="702604" y="536893"/>
+            <a:off x="615070" y="500360"/>
             <a:ext cx="18361245" cy="836704"/>
           </a:xfrm>
           <a:prstGeom prst="rect">
@@ -12744,210 +13223,149 @@
                 <a:cs typeface="Arimo Bold"/>
                 <a:sym typeface="Arimo Bold"/>
               </a:rPr>
-              <a:t>Operating with LLM</a:t>
-            </a:r>
-          </a:p>
-        </p:txBody>
-      </p:sp>
-      <p:sp>
-        <p:nvSpPr>
-          <p:cNvPr id="8" name="TextBox 8"/>
+              <a:t>Result</a:t>
+            </a:r>
+          </a:p>
+        </p:txBody>
+      </p:sp>
+      <p:sp>
+        <p:nvSpPr>
+          <p:cNvPr id="21" name="文字方塊 20">
+            <a:extLst>
+              <a:ext uri="{FF2B5EF4-FFF2-40B4-BE49-F238E27FC236}">
+                <a16:creationId xmlns:a16="http://schemas.microsoft.com/office/drawing/2014/main" id="{7919D066-F538-CD55-640B-2B55D747D9A7}"/>
+              </a:ext>
+            </a:extLst>
+          </p:cNvPr>
           <p:cNvSpPr txBox="1"/>
           <p:nvPr/>
         </p:nvSpPr>
         <p:spPr>
           <a:xfrm>
-            <a:off x="7467600" y="523374"/>
-            <a:ext cx="6752794" cy="790024"/>
-          </a:xfrm>
-          <a:prstGeom prst="rect">
-            <a:avLst/>
-          </a:prstGeom>
-        </p:spPr>
-        <p:txBody>
-          <a:bodyPr lIns="0" tIns="0" rIns="0" bIns="0" rtlCol="0" anchor="t">
+            <a:off x="8797414" y="8490451"/>
+            <a:ext cx="9490586" cy="882357"/>
+          </a:xfrm>
+          <a:prstGeom prst="rect">
+            <a:avLst/>
+          </a:prstGeom>
+          <a:noFill/>
+        </p:spPr>
+        <p:txBody>
+          <a:bodyPr wrap="square">
             <a:spAutoFit/>
           </a:bodyPr>
           <a:lstStyle/>
           <a:p>
-            <a:pPr algn="l">
+            <a:pPr algn="ctr">
               <a:lnSpc>
                 <a:spcPts val="7000"/>
               </a:lnSpc>
+              <a:spcBef>
+                <a:spcPct val="0"/>
+              </a:spcBef>
             </a:pPr>
             <a:r>
-              <a:rPr lang="en-US" sz="4000" dirty="0">
+              <a:rPr lang="en-US" altLang="zh-TW" sz="4000" dirty="0">
                 <a:solidFill>
                   <a:srgbClr val="000000"/>
                 </a:solidFill>
-                <a:latin typeface="Arimo" panose="02020500000000000000" charset="0"/>
-                <a:ea typeface="Arimo" panose="02020500000000000000" charset="0"/>
-                <a:cs typeface="Arimo" panose="02020500000000000000" charset="0"/>
+                <a:latin typeface="Arimo Bold"/>
+                <a:ea typeface="Arimo Bold"/>
+                <a:cs typeface="Arimo Bold"/>
                 <a:sym typeface="Arimo Bold"/>
               </a:rPr>
-              <a:t>(Sort by Importance)</a:t>
-            </a:r>
-          </a:p>
-        </p:txBody>
-      </p:sp>
-      <p:sp>
-        <p:nvSpPr>
-          <p:cNvPr id="9" name="TextBox 9"/>
-          <p:cNvSpPr txBox="1"/>
-          <p:nvPr/>
-        </p:nvSpPr>
-        <p:spPr>
-          <a:xfrm>
-            <a:off x="5672970" y="8941560"/>
-            <a:ext cx="6942060" cy="666849"/>
-          </a:xfrm>
-          <a:prstGeom prst="rect">
-            <a:avLst/>
-          </a:prstGeom>
-        </p:spPr>
-        <p:txBody>
-          <a:bodyPr wrap="square" lIns="0" tIns="0" rIns="0" bIns="0" rtlCol="0" anchor="t">
-            <a:spAutoFit/>
-          </a:bodyPr>
-          <a:lstStyle/>
-          <a:p>
-            <a:pPr algn="l">
-              <a:lnSpc>
-                <a:spcPts val="5249"/>
-              </a:lnSpc>
-            </a:pPr>
-            <a:r>
-              <a:rPr lang="en-US" sz="4400" dirty="0">
-                <a:solidFill>
-                  <a:srgbClr val="FF0000"/>
-                </a:solidFill>
-                <a:latin typeface="Arimo"/>
-                <a:ea typeface="Arimo"/>
-                <a:cs typeface="Arimo"/>
-                <a:sym typeface="Arimo"/>
-              </a:rPr>
-              <a:t>First Three Factors is Same</a:t>
-            </a:r>
-          </a:p>
-        </p:txBody>
-      </p:sp>
-      <p:sp>
-        <p:nvSpPr>
-          <p:cNvPr id="13" name="Freeform 6">
+              <a:t>60000 rows data</a:t>
+            </a:r>
+          </a:p>
+        </p:txBody>
+      </p:sp>
+      <p:sp>
+        <p:nvSpPr>
+          <p:cNvPr id="24" name="文字方塊 23">
             <a:extLst>
               <a:ext uri="{FF2B5EF4-FFF2-40B4-BE49-F238E27FC236}">
-                <a16:creationId xmlns:a16="http://schemas.microsoft.com/office/drawing/2014/main" id="{6F653918-4877-5F46-E0FF-9264FA3E1F8B}"/>
+                <a16:creationId xmlns:a16="http://schemas.microsoft.com/office/drawing/2014/main" id="{BC1E9B3A-C408-D4F5-2631-D16B559AFD8C}"/>
               </a:ext>
             </a:extLst>
           </p:cNvPr>
-          <p:cNvSpPr/>
+          <p:cNvSpPr txBox="1"/>
           <p:nvPr/>
         </p:nvSpPr>
         <p:spPr>
           <a:xfrm>
-            <a:off x="10958312" y="2076774"/>
-            <a:ext cx="5500887" cy="6046774"/>
-          </a:xfrm>
-          <a:custGeom>
-            <a:avLst/>
-            <a:gdLst/>
-            <a:ahLst/>
-            <a:cxnLst/>
-            <a:rect l="l" t="t" r="r" b="b"/>
-            <a:pathLst>
-              <a:path w="5225802" h="5736769">
-                <a:moveTo>
-                  <a:pt x="0" y="0"/>
-                </a:moveTo>
-                <a:lnTo>
-                  <a:pt x="5225802" y="0"/>
-                </a:lnTo>
-                <a:lnTo>
-                  <a:pt x="5225802" y="5736769"/>
-                </a:lnTo>
-                <a:lnTo>
-                  <a:pt x="0" y="5736769"/>
-                </a:lnTo>
-                <a:lnTo>
-                  <a:pt x="0" y="0"/>
-                </a:lnTo>
-                <a:close/>
-              </a:path>
-            </a:pathLst>
-          </a:custGeom>
-          <a:blipFill>
-            <a:blip r:embed="rId4"/>
-            <a:stretch>
-              <a:fillRect/>
-            </a:stretch>
-          </a:blipFill>
-        </p:spPr>
-        <p:txBody>
-          <a:bodyPr/>
-          <a:lstStyle/>
-          <a:p>
-            <a:endParaRPr lang="zh-TW" altLang="en-US" dirty="0"/>
-          </a:p>
-        </p:txBody>
-      </p:sp>
-      <p:sp>
-        <p:nvSpPr>
-          <p:cNvPr id="10" name="矩形 9">
+            <a:off x="3223903" y="8526093"/>
+            <a:ext cx="5562600" cy="882357"/>
+          </a:xfrm>
+          <a:prstGeom prst="rect">
+            <a:avLst/>
+          </a:prstGeom>
+          <a:noFill/>
+        </p:spPr>
+        <p:txBody>
+          <a:bodyPr wrap="square">
+            <a:spAutoFit/>
+          </a:bodyPr>
+          <a:lstStyle/>
+          <a:p>
+            <a:pPr algn="ctr">
+              <a:lnSpc>
+                <a:spcPts val="7000"/>
+              </a:lnSpc>
+              <a:spcBef>
+                <a:spcPct val="0"/>
+              </a:spcBef>
+            </a:pPr>
+            <a:r>
+              <a:rPr lang="en-US" altLang="zh-TW" sz="4000" dirty="0">
+                <a:solidFill>
+                  <a:srgbClr val="000000"/>
+                </a:solidFill>
+                <a:latin typeface="Arimo Bold"/>
+                <a:ea typeface="Arimo Bold"/>
+                <a:cs typeface="Arimo Bold"/>
+                <a:sym typeface="Arimo Bold"/>
+              </a:rPr>
+              <a:t>600 rows data</a:t>
+            </a:r>
+          </a:p>
+        </p:txBody>
+      </p:sp>
+      <p:pic>
+        <p:nvPicPr>
+          <p:cNvPr id="6" name="圖片 5">
             <a:extLst>
               <a:ext uri="{FF2B5EF4-FFF2-40B4-BE49-F238E27FC236}">
-                <a16:creationId xmlns:a16="http://schemas.microsoft.com/office/drawing/2014/main" id="{7B7A37A8-6ECD-2A09-BFDE-B5EDA5215D78}"/>
+                <a16:creationId xmlns:a16="http://schemas.microsoft.com/office/drawing/2014/main" id="{C089960B-4D4C-AAF1-67AF-7AD48C08D73B}"/>
               </a:ext>
             </a:extLst>
           </p:cNvPr>
-          <p:cNvSpPr/>
+          <p:cNvPicPr>
+            <a:picLocks noChangeAspect="1"/>
+          </p:cNvPicPr>
           <p:nvPr/>
-        </p:nvSpPr>
-        <p:spPr>
-          <a:xfrm>
-            <a:off x="11049000" y="3238500"/>
-            <a:ext cx="1371600" cy="1447800"/>
-          </a:xfrm>
-          <a:prstGeom prst="rect">
-            <a:avLst/>
-          </a:prstGeom>
-          <a:noFill/>
-          <a:ln w="38100">
-            <a:solidFill>
-              <a:srgbClr val="FF0000"/>
-            </a:solidFill>
-          </a:ln>
-        </p:spPr>
-        <p:style>
-          <a:lnRef idx="2">
-            <a:schemeClr val="accent1">
-              <a:shade val="15000"/>
-            </a:schemeClr>
-          </a:lnRef>
-          <a:fillRef idx="1">
-            <a:schemeClr val="accent1"/>
-          </a:fillRef>
-          <a:effectRef idx="0">
-            <a:schemeClr val="accent1"/>
-          </a:effectRef>
-          <a:fontRef idx="minor">
-            <a:schemeClr val="lt1"/>
-          </a:fontRef>
-        </p:style>
-        <p:txBody>
-          <a:bodyPr rtlCol="0" anchor="ctr"/>
-          <a:lstStyle/>
-          <a:p>
-            <a:pPr algn="ctr"/>
-            <a:endParaRPr lang="zh-TW" altLang="en-US" dirty="0"/>
-          </a:p>
-        </p:txBody>
-      </p:sp>
+        </p:nvPicPr>
+        <p:blipFill>
+          <a:blip r:embed="rId4"/>
+          <a:stretch>
+            <a:fillRect/>
+          </a:stretch>
+        </p:blipFill>
+        <p:spPr>
+          <a:xfrm>
+            <a:off x="10407745" y="965957"/>
+            <a:ext cx="6309254" cy="4869558"/>
+          </a:xfrm>
+          <a:prstGeom prst="rect">
+            <a:avLst/>
+          </a:prstGeom>
+        </p:spPr>
+      </p:pic>
       <p:pic>
         <p:nvPicPr>
-          <p:cNvPr id="15" name="圖片 14">
+          <p:cNvPr id="7" name="圖片 6">
             <a:extLst>
               <a:ext uri="{FF2B5EF4-FFF2-40B4-BE49-F238E27FC236}">
-                <a16:creationId xmlns:a16="http://schemas.microsoft.com/office/drawing/2014/main" id="{5BE748F0-EAB2-49AA-7253-BEB889C3D830}"/>
+                <a16:creationId xmlns:a16="http://schemas.microsoft.com/office/drawing/2014/main" id="{79DA6116-F966-14E9-3210-E28C158938CE}"/>
               </a:ext>
             </a:extLst>
           </p:cNvPr>
@@ -12964,15 +13382,138 @@
         </p:blipFill>
         <p:spPr>
           <a:xfrm>
-            <a:off x="1600200" y="2448430"/>
-            <a:ext cx="9343364" cy="5518594"/>
+            <a:off x="10407745" y="5835514"/>
+            <a:ext cx="6309254" cy="2315239"/>
           </a:xfrm>
           <a:prstGeom prst="rect">
             <a:avLst/>
           </a:prstGeom>
         </p:spPr>
       </p:pic>
+      <p:sp>
+        <p:nvSpPr>
+          <p:cNvPr id="8" name="Freeform 5">
+            <a:extLst>
+              <a:ext uri="{FF2B5EF4-FFF2-40B4-BE49-F238E27FC236}">
+                <a16:creationId xmlns:a16="http://schemas.microsoft.com/office/drawing/2014/main" id="{40D4CFDD-E02C-9454-EF1F-2280E0C9C144}"/>
+              </a:ext>
+            </a:extLst>
+          </p:cNvPr>
+          <p:cNvSpPr/>
+          <p:nvPr/>
+        </p:nvSpPr>
+        <p:spPr>
+          <a:xfrm>
+            <a:off x="3384723" y="964152"/>
+            <a:ext cx="4857732" cy="4374329"/>
+          </a:xfrm>
+          <a:custGeom>
+            <a:avLst/>
+            <a:gdLst/>
+            <a:ahLst/>
+            <a:cxnLst/>
+            <a:rect l="l" t="t" r="r" b="b"/>
+            <a:pathLst>
+              <a:path w="7288595" h="6563291">
+                <a:moveTo>
+                  <a:pt x="0" y="0"/>
+                </a:moveTo>
+                <a:lnTo>
+                  <a:pt x="7288595" y="0"/>
+                </a:lnTo>
+                <a:lnTo>
+                  <a:pt x="7288595" y="6563291"/>
+                </a:lnTo>
+                <a:lnTo>
+                  <a:pt x="0" y="6563291"/>
+                </a:lnTo>
+                <a:lnTo>
+                  <a:pt x="0" y="0"/>
+                </a:lnTo>
+                <a:close/>
+              </a:path>
+            </a:pathLst>
+          </a:custGeom>
+          <a:blipFill>
+            <a:blip r:embed="rId6"/>
+            <a:stretch>
+              <a:fillRect/>
+            </a:stretch>
+          </a:blipFill>
+        </p:spPr>
+        <p:txBody>
+          <a:bodyPr/>
+          <a:lstStyle/>
+          <a:p>
+            <a:endParaRPr lang="zh-TW" altLang="en-US"/>
+          </a:p>
+        </p:txBody>
+      </p:sp>
+      <p:sp>
+        <p:nvSpPr>
+          <p:cNvPr id="9" name="Freeform 6">
+            <a:extLst>
+              <a:ext uri="{FF2B5EF4-FFF2-40B4-BE49-F238E27FC236}">
+                <a16:creationId xmlns:a16="http://schemas.microsoft.com/office/drawing/2014/main" id="{B5BF0547-843F-D3BE-A7A4-0B6A46EDE211}"/>
+              </a:ext>
+            </a:extLst>
+          </p:cNvPr>
+          <p:cNvSpPr/>
+          <p:nvPr/>
+        </p:nvSpPr>
+        <p:spPr>
+          <a:xfrm>
+            <a:off x="2483179" y="5281528"/>
+            <a:ext cx="6660821" cy="3108383"/>
+          </a:xfrm>
+          <a:custGeom>
+            <a:avLst/>
+            <a:gdLst/>
+            <a:ahLst/>
+            <a:cxnLst/>
+            <a:rect l="l" t="t" r="r" b="b"/>
+            <a:pathLst>
+              <a:path w="9571839" h="4466858">
+                <a:moveTo>
+                  <a:pt x="0" y="0"/>
+                </a:moveTo>
+                <a:lnTo>
+                  <a:pt x="9571839" y="0"/>
+                </a:lnTo>
+                <a:lnTo>
+                  <a:pt x="9571839" y="4466858"/>
+                </a:lnTo>
+                <a:lnTo>
+                  <a:pt x="0" y="4466858"/>
+                </a:lnTo>
+                <a:lnTo>
+                  <a:pt x="0" y="0"/>
+                </a:lnTo>
+                <a:close/>
+              </a:path>
+            </a:pathLst>
+          </a:custGeom>
+          <a:blipFill>
+            <a:blip r:embed="rId7"/>
+            <a:stretch>
+              <a:fillRect/>
+            </a:stretch>
+          </a:blipFill>
+        </p:spPr>
+        <p:txBody>
+          <a:bodyPr/>
+          <a:lstStyle/>
+          <a:p>
+            <a:endParaRPr lang="zh-TW" altLang="en-US"/>
+          </a:p>
+        </p:txBody>
+      </p:sp>
     </p:spTree>
+    <p:extLst>
+      <p:ext uri="{BB962C8B-B14F-4D97-AF65-F5344CB8AC3E}">
+        <p14:creationId xmlns:p14="http://schemas.microsoft.com/office/powerpoint/2010/main" val="78424741"/>
+      </p:ext>
+    </p:extLst>
   </p:cSld>
   <p:clrMapOvr>
     <a:masterClrMapping/>
@@ -13116,14 +13657,20 @@
       </p:grpSp>
       <p:sp>
         <p:nvSpPr>
-          <p:cNvPr id="5" name="TextBox 5"/>
+          <p:cNvPr id="10" name="TextBox 6">
+            <a:extLst>
+              <a:ext uri="{FF2B5EF4-FFF2-40B4-BE49-F238E27FC236}">
+                <a16:creationId xmlns:a16="http://schemas.microsoft.com/office/drawing/2014/main" id="{BC2BA4F5-4C08-1154-A467-59E8FD21B5E3}"/>
+              </a:ext>
+            </a:extLst>
+          </p:cNvPr>
           <p:cNvSpPr txBox="1"/>
           <p:nvPr/>
         </p:nvSpPr>
         <p:spPr>
           <a:xfrm>
-            <a:off x="615070" y="500360"/>
-            <a:ext cx="18361245" cy="916940"/>
+            <a:off x="609600" y="571500"/>
+            <a:ext cx="10533337" cy="908326"/>
           </a:xfrm>
           <a:prstGeom prst="rect">
             <a:avLst/>
@@ -13137,118 +13684,63 @@
           <a:p>
             <a:pPr algn="l">
               <a:lnSpc>
-                <a:spcPts val="7000"/>
+                <a:spcPts val="7593"/>
               </a:lnSpc>
             </a:pPr>
             <a:r>
-              <a:rPr lang="en-US" sz="5600">
-                <a:solidFill>
-                  <a:srgbClr val="000000"/>
-                </a:solidFill>
+              <a:rPr lang="en-US" sz="6075" dirty="0">
                 <a:latin typeface="Arimo Bold"/>
                 <a:ea typeface="Arimo Bold"/>
                 <a:cs typeface="Arimo Bold"/>
                 <a:sym typeface="Arimo Bold"/>
               </a:rPr>
-              <a:t>Conclusion</a:t>
-            </a:r>
-          </a:p>
-        </p:txBody>
-      </p:sp>
-      <p:sp>
-        <p:nvSpPr>
-          <p:cNvPr id="6" name="TextBox 6"/>
-          <p:cNvSpPr txBox="1"/>
-          <p:nvPr/>
-        </p:nvSpPr>
-        <p:spPr>
-          <a:xfrm>
-            <a:off x="1905000" y="2991269"/>
-            <a:ext cx="15384869" cy="980440"/>
-          </a:xfrm>
-          <a:prstGeom prst="rect">
-            <a:avLst/>
-          </a:prstGeom>
-        </p:spPr>
-        <p:txBody>
-          <a:bodyPr lIns="0" tIns="0" rIns="0" bIns="0" rtlCol="0" anchor="t">
-            <a:spAutoFit/>
-          </a:bodyPr>
-          <a:lstStyle/>
-          <a:p>
-            <a:pPr algn="just">
-              <a:lnSpc>
-                <a:spcPts val="3874"/>
-              </a:lnSpc>
-              <a:spcBef>
-                <a:spcPct val="0"/>
-              </a:spcBef>
-            </a:pPr>
-            <a:r>
-              <a:rPr lang="en-US" sz="3099" dirty="0">
-                <a:solidFill>
-                  <a:srgbClr val="000000"/>
-                </a:solidFill>
+              <a:t>Accuracy(</a:t>
+            </a:r>
+            <a:r>
+              <a:rPr lang="en-US" altLang="zh-TW" sz="6075" dirty="0">
                 <a:latin typeface="Arimo Bold"/>
                 <a:ea typeface="Arimo Bold"/>
                 <a:cs typeface="Arimo Bold"/>
                 <a:sym typeface="Arimo Bold"/>
               </a:rPr>
-              <a:t>1. If a factor has hierarchical levels (ex. month, quarter, annual), using Ordinal Encoding(turn category into number) or another method would be more effective.</a:t>
-            </a:r>
-          </a:p>
-        </p:txBody>
-      </p:sp>
-      <p:sp>
-        <p:nvSpPr>
-          <p:cNvPr id="7" name="TextBox 7"/>
-          <p:cNvSpPr txBox="1"/>
-          <p:nvPr/>
-        </p:nvSpPr>
-        <p:spPr>
-          <a:xfrm>
-            <a:off x="2091232" y="4830019"/>
-            <a:ext cx="14105533" cy="1055370"/>
-          </a:xfrm>
-          <a:prstGeom prst="rect">
-            <a:avLst/>
-          </a:prstGeom>
-        </p:spPr>
-        <p:txBody>
-          <a:bodyPr lIns="0" tIns="0" rIns="0" bIns="0" rtlCol="0" anchor="t">
-            <a:spAutoFit/>
-          </a:bodyPr>
-          <a:lstStyle/>
-          <a:p>
-            <a:pPr algn="ctr">
-              <a:lnSpc>
-                <a:spcPts val="4124"/>
-              </a:lnSpc>
-              <a:spcBef>
-                <a:spcPct val="0"/>
-              </a:spcBef>
-            </a:pPr>
-            <a:r>
-              <a:rPr lang="en-US" sz="3299" dirty="0">
-                <a:solidFill>
-                  <a:srgbClr val="000000"/>
-                </a:solidFill>
+              <a:t>Causal</a:t>
+            </a:r>
+            <a:r>
+              <a:rPr lang="zh-TW" altLang="en-US" sz="6075" dirty="0">
                 <a:latin typeface="Arimo Bold"/>
                 <a:ea typeface="Arimo Bold"/>
                 <a:cs typeface="Arimo Bold"/>
                 <a:sym typeface="Arimo Bold"/>
               </a:rPr>
-              <a:t>2. In category data (ex. gender), using numeric data will have a better results than string data.</a:t>
-            </a:r>
-          </a:p>
-        </p:txBody>
-      </p:sp>
-      <p:sp>
-        <p:nvSpPr>
-          <p:cNvPr id="8" name="TextBox 7">
+              <a:t> </a:t>
+            </a:r>
+            <a:r>
+              <a:rPr lang="en-US" altLang="zh-TW" sz="6075" dirty="0">
+                <a:latin typeface="Arimo Bold"/>
+                <a:ea typeface="Arimo Bold"/>
+                <a:cs typeface="Arimo Bold"/>
+                <a:sym typeface="Arimo Bold"/>
+              </a:rPr>
+              <a:t>Prediction</a:t>
+            </a:r>
+            <a:r>
+              <a:rPr lang="en-US" sz="6075" dirty="0">
+                <a:latin typeface="Arimo Bold"/>
+                <a:ea typeface="Arimo Bold"/>
+                <a:cs typeface="Arimo Bold"/>
+                <a:sym typeface="Arimo Bold"/>
+              </a:rPr>
+              <a:t>)</a:t>
+            </a:r>
+          </a:p>
+        </p:txBody>
+      </p:sp>
+      <p:sp>
+        <p:nvSpPr>
+          <p:cNvPr id="11" name="TextBox 8">
             <a:extLst>
               <a:ext uri="{FF2B5EF4-FFF2-40B4-BE49-F238E27FC236}">
-                <a16:creationId xmlns:a16="http://schemas.microsoft.com/office/drawing/2014/main" id="{959FE750-04BE-5360-A093-6CA942E8104B}"/>
+                <a16:creationId xmlns:a16="http://schemas.microsoft.com/office/drawing/2014/main" id="{D2E3CD7C-930B-AA43-72E0-EE65319011EF}"/>
               </a:ext>
             </a:extLst>
           </p:cNvPr>
@@ -13257,8 +13749,8 @@
         </p:nvSpPr>
         <p:spPr>
           <a:xfrm>
-            <a:off x="1790699" y="6743700"/>
-            <a:ext cx="14706600" cy="1016432"/>
+            <a:off x="609600" y="1618484"/>
+            <a:ext cx="17068800" cy="456856"/>
           </a:xfrm>
           <a:prstGeom prst="rect">
             <a:avLst/>
@@ -13270,29 +13762,163 @@
           </a:bodyPr>
           <a:lstStyle/>
           <a:p>
-            <a:pPr algn="ctr">
+            <a:pPr>
               <a:lnSpc>
-                <a:spcPts val="4124"/>
+                <a:spcPts val="3887"/>
               </a:lnSpc>
-              <a:spcBef>
-                <a:spcPct val="0"/>
-              </a:spcBef>
             </a:pPr>
             <a:r>
-              <a:rPr lang="en-US" sz="3299" dirty="0">
+              <a:rPr lang="en-US" altLang="zh-TW" sz="2800" dirty="0">
                 <a:solidFill>
-                  <a:srgbClr val="000000"/>
+                  <a:srgbClr val="5B5F71"/>
                 </a:solidFill>
-                <a:latin typeface="Arimo Bold"/>
-                <a:ea typeface="Arimo Bold"/>
-                <a:cs typeface="Arimo Bold"/>
-                <a:sym typeface="Arimo Bold"/>
+                <a:latin typeface="Arimo"/>
+                <a:ea typeface="Arimo"/>
+                <a:cs typeface="Arimo"/>
+                <a:sym typeface="Arimo"/>
               </a:rPr>
-              <a:t>3. Using large amounts of data may make the results overly rigorous, making it difficult to determine the significance of less important factors.</a:t>
-            </a:r>
-          </a:p>
-        </p:txBody>
-      </p:sp>
+              <a:t>Ordinal Encoding (Churn: Int). Balance data. Training with 70% of data</a:t>
+            </a:r>
+            <a:r>
+              <a:rPr lang="zh-TW" altLang="en-US" sz="2800" dirty="0">
+                <a:solidFill>
+                  <a:srgbClr val="5B5F71"/>
+                </a:solidFill>
+                <a:latin typeface="Arimo"/>
+                <a:ea typeface="Arimo"/>
+                <a:cs typeface="Arimo"/>
+                <a:sym typeface="Arimo"/>
+              </a:rPr>
+              <a:t> </a:t>
+            </a:r>
+            <a:r>
+              <a:rPr lang="en-US" altLang="zh-TW" sz="2800" dirty="0">
+                <a:solidFill>
+                  <a:srgbClr val="5B5F71"/>
+                </a:solidFill>
+                <a:latin typeface="Arimo"/>
+                <a:ea typeface="Arimo"/>
+                <a:cs typeface="Arimo"/>
+                <a:sym typeface="Arimo"/>
+              </a:rPr>
+              <a:t>(421)</a:t>
+            </a:r>
+          </a:p>
+        </p:txBody>
+      </p:sp>
+      <p:sp>
+        <p:nvSpPr>
+          <p:cNvPr id="18" name="TextBox 8">
+            <a:extLst>
+              <a:ext uri="{FF2B5EF4-FFF2-40B4-BE49-F238E27FC236}">
+                <a16:creationId xmlns:a16="http://schemas.microsoft.com/office/drawing/2014/main" id="{0CBC0CE1-FEE2-EDB6-2B8E-982D393883E3}"/>
+              </a:ext>
+            </a:extLst>
+          </p:cNvPr>
+          <p:cNvSpPr txBox="1"/>
+          <p:nvPr/>
+        </p:nvSpPr>
+        <p:spPr>
+          <a:xfrm>
+            <a:off x="914400" y="8316053"/>
+            <a:ext cx="17068800" cy="1480534"/>
+          </a:xfrm>
+          <a:prstGeom prst="rect">
+            <a:avLst/>
+          </a:prstGeom>
+        </p:spPr>
+        <p:txBody>
+          <a:bodyPr wrap="square" lIns="0" tIns="0" rIns="0" bIns="0" rtlCol="0" anchor="t">
+            <a:spAutoFit/>
+          </a:bodyPr>
+          <a:lstStyle/>
+          <a:p>
+            <a:pPr>
+              <a:lnSpc>
+                <a:spcPts val="3887"/>
+              </a:lnSpc>
+            </a:pPr>
+            <a:r>
+              <a:rPr lang="en-US" altLang="zh-TW" sz="3200" dirty="0"/>
+              <a:t>Here I use 70% of data for training and input 30% of data for testing the target value – Churn. And The prediction is 85% correct. As the image above, The ROC Curve and Confusion Matrix indicate the model predict 181 piece of data and have</a:t>
+            </a:r>
+            <a:r>
+              <a:rPr lang="zh-TW" altLang="en-US" sz="3200" dirty="0"/>
+              <a:t> </a:t>
+            </a:r>
+            <a:r>
+              <a:rPr lang="en-US" altLang="zh-TW" sz="3200" dirty="0"/>
+              <a:t>27 prediction errors.</a:t>
+            </a:r>
+            <a:endParaRPr lang="en-US" altLang="zh-TW" sz="3200" dirty="0">
+              <a:latin typeface="Arimo"/>
+              <a:ea typeface="Arimo"/>
+              <a:cs typeface="Arimo"/>
+              <a:sym typeface="Arimo"/>
+            </a:endParaRPr>
+          </a:p>
+        </p:txBody>
+      </p:sp>
+      <p:pic>
+        <p:nvPicPr>
+          <p:cNvPr id="6" name="圖片 5">
+            <a:extLst>
+              <a:ext uri="{FF2B5EF4-FFF2-40B4-BE49-F238E27FC236}">
+                <a16:creationId xmlns:a16="http://schemas.microsoft.com/office/drawing/2014/main" id="{20A3F820-45C4-5EB3-D714-D2150CFB75DC}"/>
+              </a:ext>
+            </a:extLst>
+          </p:cNvPr>
+          <p:cNvPicPr>
+            <a:picLocks noChangeAspect="1"/>
+          </p:cNvPicPr>
+          <p:nvPr/>
+        </p:nvPicPr>
+        <p:blipFill>
+          <a:blip r:embed="rId4"/>
+          <a:stretch>
+            <a:fillRect/>
+          </a:stretch>
+        </p:blipFill>
+        <p:spPr>
+          <a:xfrm>
+            <a:off x="1903899" y="2378856"/>
+            <a:ext cx="7043828" cy="5427088"/>
+          </a:xfrm>
+          <a:prstGeom prst="rect">
+            <a:avLst/>
+          </a:prstGeom>
+        </p:spPr>
+      </p:pic>
+      <p:pic>
+        <p:nvPicPr>
+          <p:cNvPr id="9" name="圖片 8">
+            <a:extLst>
+              <a:ext uri="{FF2B5EF4-FFF2-40B4-BE49-F238E27FC236}">
+                <a16:creationId xmlns:a16="http://schemas.microsoft.com/office/drawing/2014/main" id="{125FFA6E-8B38-CA3D-BDAB-B58850FDCA2E}"/>
+              </a:ext>
+            </a:extLst>
+          </p:cNvPr>
+          <p:cNvPicPr>
+            <a:picLocks noChangeAspect="1"/>
+          </p:cNvPicPr>
+          <p:nvPr/>
+        </p:nvPicPr>
+        <p:blipFill>
+          <a:blip r:embed="rId5"/>
+          <a:stretch>
+            <a:fillRect/>
+          </a:stretch>
+        </p:blipFill>
+        <p:spPr>
+          <a:xfrm>
+            <a:off x="9144000" y="2585449"/>
+            <a:ext cx="7443234" cy="5135090"/>
+          </a:xfrm>
+          <a:prstGeom prst="rect">
+            <a:avLst/>
+          </a:prstGeom>
+        </p:spPr>
+      </p:pic>
     </p:spTree>
   </p:cSld>
   <p:clrMapOvr>
@@ -13437,226 +14063,14 @@
       </p:grpSp>
       <p:sp>
         <p:nvSpPr>
-          <p:cNvPr id="5" name="Freeform 5"/>
-          <p:cNvSpPr/>
-          <p:nvPr/>
-        </p:nvSpPr>
-        <p:spPr>
-          <a:xfrm>
-            <a:off x="9038924" y="5611402"/>
-            <a:ext cx="8640926" cy="4320463"/>
-          </a:xfrm>
-          <a:custGeom>
-            <a:avLst/>
-            <a:gdLst/>
-            <a:ahLst/>
-            <a:cxnLst/>
-            <a:rect l="l" t="t" r="r" b="b"/>
-            <a:pathLst>
-              <a:path w="8640926" h="4320463">
-                <a:moveTo>
-                  <a:pt x="0" y="0"/>
-                </a:moveTo>
-                <a:lnTo>
-                  <a:pt x="8640925" y="0"/>
-                </a:lnTo>
-                <a:lnTo>
-                  <a:pt x="8640925" y="4320462"/>
-                </a:lnTo>
-                <a:lnTo>
-                  <a:pt x="0" y="4320462"/>
-                </a:lnTo>
-                <a:lnTo>
-                  <a:pt x="0" y="0"/>
-                </a:lnTo>
-                <a:close/>
-              </a:path>
-            </a:pathLst>
-          </a:custGeom>
-          <a:blipFill>
-            <a:blip r:embed="rId4"/>
-            <a:stretch>
-              <a:fillRect/>
-            </a:stretch>
-          </a:blipFill>
-        </p:spPr>
-        <p:txBody>
-          <a:bodyPr/>
-          <a:lstStyle/>
-          <a:p>
-            <a:endParaRPr lang="zh-TW" altLang="en-US"/>
-          </a:p>
-        </p:txBody>
-      </p:sp>
-      <p:sp>
-        <p:nvSpPr>
-          <p:cNvPr id="6" name="Freeform 6"/>
-          <p:cNvSpPr/>
-          <p:nvPr/>
-        </p:nvSpPr>
-        <p:spPr>
-          <a:xfrm>
-            <a:off x="397998" y="5611402"/>
-            <a:ext cx="8640926" cy="4320463"/>
-          </a:xfrm>
-          <a:custGeom>
-            <a:avLst/>
-            <a:gdLst/>
-            <a:ahLst/>
-            <a:cxnLst/>
-            <a:rect l="l" t="t" r="r" b="b"/>
-            <a:pathLst>
-              <a:path w="8640926" h="4320463">
-                <a:moveTo>
-                  <a:pt x="0" y="0"/>
-                </a:moveTo>
-                <a:lnTo>
-                  <a:pt x="8640926" y="0"/>
-                </a:lnTo>
-                <a:lnTo>
-                  <a:pt x="8640926" y="4320462"/>
-                </a:lnTo>
-                <a:lnTo>
-                  <a:pt x="0" y="4320462"/>
-                </a:lnTo>
-                <a:lnTo>
-                  <a:pt x="0" y="0"/>
-                </a:lnTo>
-                <a:close/>
-              </a:path>
-            </a:pathLst>
-          </a:custGeom>
-          <a:blipFill>
-            <a:blip r:embed="rId5"/>
-            <a:stretch>
-              <a:fillRect/>
-            </a:stretch>
-          </a:blipFill>
-        </p:spPr>
-        <p:txBody>
-          <a:bodyPr/>
-          <a:lstStyle/>
-          <a:p>
-            <a:endParaRPr lang="zh-TW" altLang="en-US"/>
-          </a:p>
-        </p:txBody>
-      </p:sp>
-      <p:sp>
-        <p:nvSpPr>
-          <p:cNvPr id="7" name="Freeform 7"/>
-          <p:cNvSpPr/>
-          <p:nvPr/>
-        </p:nvSpPr>
-        <p:spPr>
-          <a:xfrm>
-            <a:off x="528032" y="1433329"/>
-            <a:ext cx="8615968" cy="4307984"/>
-          </a:xfrm>
-          <a:custGeom>
-            <a:avLst/>
-            <a:gdLst/>
-            <a:ahLst/>
-            <a:cxnLst/>
-            <a:rect l="l" t="t" r="r" b="b"/>
-            <a:pathLst>
-              <a:path w="8615968" h="4307984">
-                <a:moveTo>
-                  <a:pt x="0" y="0"/>
-                </a:moveTo>
-                <a:lnTo>
-                  <a:pt x="8615968" y="0"/>
-                </a:lnTo>
-                <a:lnTo>
-                  <a:pt x="8615968" y="4307984"/>
-                </a:lnTo>
-                <a:lnTo>
-                  <a:pt x="0" y="4307984"/>
-                </a:lnTo>
-                <a:lnTo>
-                  <a:pt x="0" y="0"/>
-                </a:lnTo>
-                <a:close/>
-              </a:path>
-            </a:pathLst>
-          </a:custGeom>
-          <a:blipFill>
-            <a:blip r:embed="rId6"/>
-            <a:stretch>
-              <a:fillRect/>
-            </a:stretch>
-          </a:blipFill>
-        </p:spPr>
-        <p:txBody>
-          <a:bodyPr/>
-          <a:lstStyle/>
-          <a:p>
-            <a:endParaRPr lang="zh-TW" altLang="en-US"/>
-          </a:p>
-        </p:txBody>
-      </p:sp>
-      <p:sp>
-        <p:nvSpPr>
-          <p:cNvPr id="8" name="Freeform 8"/>
-          <p:cNvSpPr/>
-          <p:nvPr/>
-        </p:nvSpPr>
-        <p:spPr>
-          <a:xfrm>
-            <a:off x="9038924" y="1433329"/>
-            <a:ext cx="8615968" cy="4307984"/>
-          </a:xfrm>
-          <a:custGeom>
-            <a:avLst/>
-            <a:gdLst/>
-            <a:ahLst/>
-            <a:cxnLst/>
-            <a:rect l="l" t="t" r="r" b="b"/>
-            <a:pathLst>
-              <a:path w="8615968" h="4307984">
-                <a:moveTo>
-                  <a:pt x="0" y="0"/>
-                </a:moveTo>
-                <a:lnTo>
-                  <a:pt x="8615968" y="0"/>
-                </a:lnTo>
-                <a:lnTo>
-                  <a:pt x="8615968" y="4307984"/>
-                </a:lnTo>
-                <a:lnTo>
-                  <a:pt x="0" y="4307984"/>
-                </a:lnTo>
-                <a:lnTo>
-                  <a:pt x="0" y="0"/>
-                </a:lnTo>
-                <a:close/>
-              </a:path>
-            </a:pathLst>
-          </a:custGeom>
-          <a:blipFill>
-            <a:blip r:embed="rId7"/>
-            <a:stretch>
-              <a:fillRect/>
-            </a:stretch>
-          </a:blipFill>
-        </p:spPr>
-        <p:txBody>
-          <a:bodyPr/>
-          <a:lstStyle/>
-          <a:p>
-            <a:endParaRPr lang="zh-TW" altLang="en-US"/>
-          </a:p>
-        </p:txBody>
-      </p:sp>
-      <p:sp>
-        <p:nvSpPr>
-          <p:cNvPr id="9" name="TextBox 9"/>
+          <p:cNvPr id="7" name="TextBox 7"/>
           <p:cNvSpPr txBox="1"/>
           <p:nvPr/>
         </p:nvSpPr>
         <p:spPr>
           <a:xfrm>
-            <a:off x="615070" y="500360"/>
-            <a:ext cx="18361245" cy="916940"/>
+            <a:off x="702604" y="536893"/>
+            <a:ext cx="18361245" cy="836704"/>
           </a:xfrm>
           <a:prstGeom prst="rect">
             <a:avLst/>
@@ -13674,7 +14088,7 @@
               </a:lnSpc>
             </a:pPr>
             <a:r>
-              <a:rPr lang="en-US" sz="5600">
+              <a:rPr lang="en-US" sz="5600" dirty="0">
                 <a:solidFill>
                   <a:srgbClr val="000000"/>
                 </a:solidFill>
@@ -13683,11 +14097,201 @@
                 <a:cs typeface="Arimo Bold"/>
                 <a:sym typeface="Arimo Bold"/>
               </a:rPr>
-              <a:t>Appedix: Other Distribution(60000 rows)</a:t>
-            </a:r>
-          </a:p>
-        </p:txBody>
-      </p:sp>
+              <a:t>Operating with LLM</a:t>
+            </a:r>
+          </a:p>
+        </p:txBody>
+      </p:sp>
+      <p:sp>
+        <p:nvSpPr>
+          <p:cNvPr id="8" name="TextBox 8"/>
+          <p:cNvSpPr txBox="1"/>
+          <p:nvPr/>
+        </p:nvSpPr>
+        <p:spPr>
+          <a:xfrm>
+            <a:off x="7467600" y="523374"/>
+            <a:ext cx="6752794" cy="790024"/>
+          </a:xfrm>
+          <a:prstGeom prst="rect">
+            <a:avLst/>
+          </a:prstGeom>
+        </p:spPr>
+        <p:txBody>
+          <a:bodyPr lIns="0" tIns="0" rIns="0" bIns="0" rtlCol="0" anchor="t">
+            <a:spAutoFit/>
+          </a:bodyPr>
+          <a:lstStyle/>
+          <a:p>
+            <a:pPr algn="l">
+              <a:lnSpc>
+                <a:spcPts val="7000"/>
+              </a:lnSpc>
+            </a:pPr>
+            <a:r>
+              <a:rPr lang="en-US" sz="4000" dirty="0">
+                <a:solidFill>
+                  <a:srgbClr val="000000"/>
+                </a:solidFill>
+                <a:latin typeface="Arimo" panose="02020500000000000000" charset="0"/>
+                <a:ea typeface="Arimo" panose="02020500000000000000" charset="0"/>
+                <a:cs typeface="Arimo" panose="02020500000000000000" charset="0"/>
+                <a:sym typeface="Arimo Bold"/>
+              </a:rPr>
+              <a:t>(Sort by Importance)</a:t>
+            </a:r>
+          </a:p>
+        </p:txBody>
+      </p:sp>
+      <p:sp>
+        <p:nvSpPr>
+          <p:cNvPr id="9" name="TextBox 9"/>
+          <p:cNvSpPr txBox="1"/>
+          <p:nvPr/>
+        </p:nvSpPr>
+        <p:spPr>
+          <a:xfrm>
+            <a:off x="5672970" y="8941560"/>
+            <a:ext cx="6942060" cy="666849"/>
+          </a:xfrm>
+          <a:prstGeom prst="rect">
+            <a:avLst/>
+          </a:prstGeom>
+        </p:spPr>
+        <p:txBody>
+          <a:bodyPr wrap="square" lIns="0" tIns="0" rIns="0" bIns="0" rtlCol="0" anchor="t">
+            <a:spAutoFit/>
+          </a:bodyPr>
+          <a:lstStyle/>
+          <a:p>
+            <a:pPr algn="l">
+              <a:lnSpc>
+                <a:spcPts val="5249"/>
+              </a:lnSpc>
+            </a:pPr>
+            <a:r>
+              <a:rPr lang="en-US" sz="4400" dirty="0">
+                <a:latin typeface="Arimo"/>
+                <a:ea typeface="Arimo"/>
+                <a:cs typeface="Arimo"/>
+                <a:sym typeface="Arimo"/>
+              </a:rPr>
+              <a:t>First Three Factors is Same</a:t>
+            </a:r>
+          </a:p>
+        </p:txBody>
+      </p:sp>
+      <p:pic>
+        <p:nvPicPr>
+          <p:cNvPr id="5" name="圖片 4">
+            <a:extLst>
+              <a:ext uri="{FF2B5EF4-FFF2-40B4-BE49-F238E27FC236}">
+                <a16:creationId xmlns:a16="http://schemas.microsoft.com/office/drawing/2014/main" id="{3028645C-4781-EADE-004E-720DB4DE9BA0}"/>
+              </a:ext>
+            </a:extLst>
+          </p:cNvPr>
+          <p:cNvPicPr>
+            <a:picLocks noChangeAspect="1"/>
+          </p:cNvPicPr>
+          <p:nvPr/>
+        </p:nvPicPr>
+        <p:blipFill rotWithShape="1">
+          <a:blip r:embed="rId4"/>
+          <a:srcRect r="56776"/>
+          <a:stretch/>
+        </p:blipFill>
+        <p:spPr>
+          <a:xfrm>
+            <a:off x="10965687" y="2067390"/>
+            <a:ext cx="4167403" cy="5939805"/>
+          </a:xfrm>
+          <a:prstGeom prst="rect">
+            <a:avLst/>
+          </a:prstGeom>
+        </p:spPr>
+      </p:pic>
+      <p:sp>
+        <p:nvSpPr>
+          <p:cNvPr id="10" name="矩形 9">
+            <a:extLst>
+              <a:ext uri="{FF2B5EF4-FFF2-40B4-BE49-F238E27FC236}">
+                <a16:creationId xmlns:a16="http://schemas.microsoft.com/office/drawing/2014/main" id="{7B7A37A8-6ECD-2A09-BFDE-B5EDA5215D78}"/>
+              </a:ext>
+            </a:extLst>
+          </p:cNvPr>
+          <p:cNvSpPr/>
+          <p:nvPr/>
+        </p:nvSpPr>
+        <p:spPr>
+          <a:xfrm>
+            <a:off x="11049000" y="2474240"/>
+            <a:ext cx="1472019" cy="1450060"/>
+          </a:xfrm>
+          <a:prstGeom prst="rect">
+            <a:avLst/>
+          </a:prstGeom>
+          <a:noFill/>
+          <a:ln w="38100">
+            <a:solidFill>
+              <a:srgbClr val="FF0000"/>
+            </a:solidFill>
+          </a:ln>
+        </p:spPr>
+        <p:style>
+          <a:lnRef idx="2">
+            <a:schemeClr val="accent1">
+              <a:shade val="15000"/>
+            </a:schemeClr>
+          </a:lnRef>
+          <a:fillRef idx="1">
+            <a:schemeClr val="accent1"/>
+          </a:fillRef>
+          <a:effectRef idx="0">
+            <a:schemeClr val="accent1"/>
+          </a:effectRef>
+          <a:fontRef idx="minor">
+            <a:schemeClr val="lt1"/>
+          </a:fontRef>
+        </p:style>
+        <p:txBody>
+          <a:bodyPr rtlCol="0" anchor="ctr"/>
+          <a:lstStyle/>
+          <a:p>
+            <a:pPr algn="ctr"/>
+            <a:endParaRPr lang="zh-TW" altLang="en-US" dirty="0"/>
+          </a:p>
+        </p:txBody>
+      </p:sp>
+      <p:pic>
+        <p:nvPicPr>
+          <p:cNvPr id="15" name="圖片 14">
+            <a:extLst>
+              <a:ext uri="{FF2B5EF4-FFF2-40B4-BE49-F238E27FC236}">
+                <a16:creationId xmlns:a16="http://schemas.microsoft.com/office/drawing/2014/main" id="{5BE748F0-EAB2-49AA-7253-BEB889C3D830}"/>
+              </a:ext>
+            </a:extLst>
+          </p:cNvPr>
+          <p:cNvPicPr>
+            <a:picLocks noChangeAspect="1"/>
+          </p:cNvPicPr>
+          <p:nvPr/>
+        </p:nvPicPr>
+        <p:blipFill>
+          <a:blip r:embed="rId5"/>
+          <a:stretch>
+            <a:fillRect/>
+          </a:stretch>
+        </p:blipFill>
+        <p:spPr>
+          <a:xfrm>
+            <a:off x="1600200" y="2448430"/>
+            <a:ext cx="9343364" cy="5518594"/>
+          </a:xfrm>
+          <a:prstGeom prst="rect">
+            <a:avLst/>
+          </a:prstGeom>
+        </p:spPr>
+      </p:pic>
     </p:spTree>
   </p:cSld>
   <p:clrMapOvr>
@@ -14168,160 +14772,180 @@
       </p:grpSp>
       <p:sp>
         <p:nvSpPr>
-          <p:cNvPr id="5" name="Freeform 5"/>
-          <p:cNvSpPr/>
+          <p:cNvPr id="5" name="TextBox 5"/>
+          <p:cNvSpPr txBox="1"/>
           <p:nvPr/>
         </p:nvSpPr>
         <p:spPr>
           <a:xfrm>
-            <a:off x="553708" y="879035"/>
-            <a:ext cx="8528930" cy="4264465"/>
-          </a:xfrm>
-          <a:custGeom>
-            <a:avLst/>
-            <a:gdLst/>
-            <a:ahLst/>
-            <a:cxnLst/>
-            <a:rect l="l" t="t" r="r" b="b"/>
-            <a:pathLst>
-              <a:path w="8528930" h="4264465">
-                <a:moveTo>
-                  <a:pt x="0" y="0"/>
-                </a:moveTo>
-                <a:lnTo>
-                  <a:pt x="8528930" y="0"/>
-                </a:lnTo>
-                <a:lnTo>
-                  <a:pt x="8528930" y="4264465"/>
-                </a:lnTo>
-                <a:lnTo>
-                  <a:pt x="0" y="4264465"/>
-                </a:lnTo>
-                <a:lnTo>
-                  <a:pt x="0" y="0"/>
-                </a:lnTo>
-                <a:close/>
-              </a:path>
-            </a:pathLst>
-          </a:custGeom>
-          <a:blipFill>
-            <a:blip r:embed="rId4"/>
-            <a:stretch>
-              <a:fillRect/>
-            </a:stretch>
-          </a:blipFill>
-        </p:spPr>
-        <p:txBody>
-          <a:bodyPr/>
-          <a:lstStyle/>
-          <a:p>
-            <a:endParaRPr lang="zh-TW" altLang="en-US"/>
-          </a:p>
-        </p:txBody>
-      </p:sp>
-      <p:sp>
-        <p:nvSpPr>
-          <p:cNvPr id="6" name="Freeform 6"/>
-          <p:cNvSpPr/>
+            <a:off x="615070" y="500360"/>
+            <a:ext cx="18361245" cy="916940"/>
+          </a:xfrm>
+          <a:prstGeom prst="rect">
+            <a:avLst/>
+          </a:prstGeom>
+        </p:spPr>
+        <p:txBody>
+          <a:bodyPr lIns="0" tIns="0" rIns="0" bIns="0" rtlCol="0" anchor="t">
+            <a:spAutoFit/>
+          </a:bodyPr>
+          <a:lstStyle/>
+          <a:p>
+            <a:pPr algn="l">
+              <a:lnSpc>
+                <a:spcPts val="7000"/>
+              </a:lnSpc>
+            </a:pPr>
+            <a:r>
+              <a:rPr lang="en-US" sz="5600">
+                <a:solidFill>
+                  <a:srgbClr val="000000"/>
+                </a:solidFill>
+                <a:latin typeface="Arimo Bold"/>
+                <a:ea typeface="Arimo Bold"/>
+                <a:cs typeface="Arimo Bold"/>
+                <a:sym typeface="Arimo Bold"/>
+              </a:rPr>
+              <a:t>Conclusion</a:t>
+            </a:r>
+          </a:p>
+        </p:txBody>
+      </p:sp>
+      <p:sp>
+        <p:nvSpPr>
+          <p:cNvPr id="6" name="TextBox 6"/>
+          <p:cNvSpPr txBox="1"/>
           <p:nvPr/>
         </p:nvSpPr>
         <p:spPr>
           <a:xfrm>
-            <a:off x="9082638" y="1028700"/>
-            <a:ext cx="8475866" cy="4237933"/>
-          </a:xfrm>
-          <a:custGeom>
-            <a:avLst/>
-            <a:gdLst/>
-            <a:ahLst/>
-            <a:cxnLst/>
-            <a:rect l="l" t="t" r="r" b="b"/>
-            <a:pathLst>
-              <a:path w="8475866" h="4237933">
-                <a:moveTo>
-                  <a:pt x="0" y="0"/>
-                </a:moveTo>
-                <a:lnTo>
-                  <a:pt x="8475867" y="0"/>
-                </a:lnTo>
-                <a:lnTo>
-                  <a:pt x="8475867" y="4237933"/>
-                </a:lnTo>
-                <a:lnTo>
-                  <a:pt x="0" y="4237933"/>
-                </a:lnTo>
-                <a:lnTo>
-                  <a:pt x="0" y="0"/>
-                </a:lnTo>
-                <a:close/>
-              </a:path>
-            </a:pathLst>
-          </a:custGeom>
-          <a:blipFill>
-            <a:blip r:embed="rId5"/>
-            <a:stretch>
-              <a:fillRect/>
-            </a:stretch>
-          </a:blipFill>
-        </p:spPr>
-        <p:txBody>
-          <a:bodyPr/>
-          <a:lstStyle/>
-          <a:p>
-            <a:endParaRPr lang="zh-TW" altLang="en-US"/>
-          </a:p>
-        </p:txBody>
-      </p:sp>
-      <p:sp>
-        <p:nvSpPr>
-          <p:cNvPr id="7" name="Freeform 7"/>
-          <p:cNvSpPr/>
+            <a:off x="1905000" y="2991269"/>
+            <a:ext cx="15384869" cy="980440"/>
+          </a:xfrm>
+          <a:prstGeom prst="rect">
+            <a:avLst/>
+          </a:prstGeom>
+        </p:spPr>
+        <p:txBody>
+          <a:bodyPr lIns="0" tIns="0" rIns="0" bIns="0" rtlCol="0" anchor="t">
+            <a:spAutoFit/>
+          </a:bodyPr>
+          <a:lstStyle/>
+          <a:p>
+            <a:pPr algn="just">
+              <a:lnSpc>
+                <a:spcPts val="3874"/>
+              </a:lnSpc>
+              <a:spcBef>
+                <a:spcPct val="0"/>
+              </a:spcBef>
+            </a:pPr>
+            <a:r>
+              <a:rPr lang="en-US" sz="3099" dirty="0">
+                <a:solidFill>
+                  <a:srgbClr val="000000"/>
+                </a:solidFill>
+                <a:latin typeface="Arimo Bold"/>
+                <a:ea typeface="Arimo Bold"/>
+                <a:cs typeface="Arimo Bold"/>
+                <a:sym typeface="Arimo Bold"/>
+              </a:rPr>
+              <a:t>1. If a factor has hierarchical levels (ex. month, quarter, annual), using Ordinal Encoding(turn category into number) or another method would be more effective.</a:t>
+            </a:r>
+          </a:p>
+        </p:txBody>
+      </p:sp>
+      <p:sp>
+        <p:nvSpPr>
+          <p:cNvPr id="7" name="TextBox 7"/>
+          <p:cNvSpPr txBox="1"/>
           <p:nvPr/>
         </p:nvSpPr>
         <p:spPr>
           <a:xfrm>
-            <a:off x="4778022" y="5262946"/>
-            <a:ext cx="8731955" cy="4365978"/>
-          </a:xfrm>
-          <a:custGeom>
-            <a:avLst/>
-            <a:gdLst/>
-            <a:ahLst/>
-            <a:cxnLst/>
-            <a:rect l="l" t="t" r="r" b="b"/>
-            <a:pathLst>
-              <a:path w="8731955" h="4365978">
-                <a:moveTo>
-                  <a:pt x="0" y="0"/>
-                </a:moveTo>
-                <a:lnTo>
-                  <a:pt x="8731955" y="0"/>
-                </a:lnTo>
-                <a:lnTo>
-                  <a:pt x="8731955" y="4365978"/>
-                </a:lnTo>
-                <a:lnTo>
-                  <a:pt x="0" y="4365978"/>
-                </a:lnTo>
-                <a:lnTo>
-                  <a:pt x="0" y="0"/>
-                </a:lnTo>
-                <a:close/>
-              </a:path>
-            </a:pathLst>
-          </a:custGeom>
-          <a:blipFill>
-            <a:blip r:embed="rId6"/>
-            <a:stretch>
-              <a:fillRect/>
-            </a:stretch>
-          </a:blipFill>
-        </p:spPr>
-        <p:txBody>
-          <a:bodyPr/>
-          <a:lstStyle/>
-          <a:p>
-            <a:endParaRPr lang="zh-TW" altLang="en-US"/>
+            <a:off x="2091232" y="4830019"/>
+            <a:ext cx="14105533" cy="1055370"/>
+          </a:xfrm>
+          <a:prstGeom prst="rect">
+            <a:avLst/>
+          </a:prstGeom>
+        </p:spPr>
+        <p:txBody>
+          <a:bodyPr lIns="0" tIns="0" rIns="0" bIns="0" rtlCol="0" anchor="t">
+            <a:spAutoFit/>
+          </a:bodyPr>
+          <a:lstStyle/>
+          <a:p>
+            <a:pPr algn="ctr">
+              <a:lnSpc>
+                <a:spcPts val="4124"/>
+              </a:lnSpc>
+              <a:spcBef>
+                <a:spcPct val="0"/>
+              </a:spcBef>
+            </a:pPr>
+            <a:r>
+              <a:rPr lang="en-US" sz="3299" dirty="0">
+                <a:solidFill>
+                  <a:srgbClr val="000000"/>
+                </a:solidFill>
+                <a:latin typeface="Arimo Bold"/>
+                <a:ea typeface="Arimo Bold"/>
+                <a:cs typeface="Arimo Bold"/>
+                <a:sym typeface="Arimo Bold"/>
+              </a:rPr>
+              <a:t>2. In category data (ex. gender), using numeric data will have a better results than string data.</a:t>
+            </a:r>
+          </a:p>
+        </p:txBody>
+      </p:sp>
+      <p:sp>
+        <p:nvSpPr>
+          <p:cNvPr id="8" name="TextBox 7">
+            <a:extLst>
+              <a:ext uri="{FF2B5EF4-FFF2-40B4-BE49-F238E27FC236}">
+                <a16:creationId xmlns:a16="http://schemas.microsoft.com/office/drawing/2014/main" id="{959FE750-04BE-5360-A093-6CA942E8104B}"/>
+              </a:ext>
+            </a:extLst>
+          </p:cNvPr>
+          <p:cNvSpPr txBox="1"/>
+          <p:nvPr/>
+        </p:nvSpPr>
+        <p:spPr>
+          <a:xfrm>
+            <a:off x="1790699" y="6743700"/>
+            <a:ext cx="14706600" cy="1016432"/>
+          </a:xfrm>
+          <a:prstGeom prst="rect">
+            <a:avLst/>
+          </a:prstGeom>
+        </p:spPr>
+        <p:txBody>
+          <a:bodyPr wrap="square" lIns="0" tIns="0" rIns="0" bIns="0" rtlCol="0" anchor="t">
+            <a:spAutoFit/>
+          </a:bodyPr>
+          <a:lstStyle/>
+          <a:p>
+            <a:pPr algn="ctr">
+              <a:lnSpc>
+                <a:spcPts val="4124"/>
+              </a:lnSpc>
+              <a:spcBef>
+                <a:spcPct val="0"/>
+              </a:spcBef>
+            </a:pPr>
+            <a:r>
+              <a:rPr lang="en-US" sz="3299" dirty="0">
+                <a:solidFill>
+                  <a:srgbClr val="000000"/>
+                </a:solidFill>
+                <a:latin typeface="Arimo Bold"/>
+                <a:ea typeface="Arimo Bold"/>
+                <a:cs typeface="Arimo Bold"/>
+                <a:sym typeface="Arimo Bold"/>
+              </a:rPr>
+              <a:t>3. Using large amounts of data may make the results overly rigorous, making it difficult to determine the significance of less important factors.</a:t>
+            </a:r>
           </a:p>
         </p:txBody>
       </p:sp>
@@ -14475,8 +15099,8 @@
         </p:nvSpPr>
         <p:spPr>
           <a:xfrm>
-            <a:off x="615070" y="1417300"/>
-            <a:ext cx="8838531" cy="4419265"/>
+            <a:off x="9038924" y="5611402"/>
+            <a:ext cx="8640926" cy="4320463"/>
           </a:xfrm>
           <a:custGeom>
             <a:avLst/>
@@ -14485,18 +15109,18 @@
             <a:cxnLst/>
             <a:rect l="l" t="t" r="r" b="b"/>
             <a:pathLst>
-              <a:path w="8838531" h="4419265">
+              <a:path w="8640926" h="4320463">
                 <a:moveTo>
                   <a:pt x="0" y="0"/>
                 </a:moveTo>
                 <a:lnTo>
-                  <a:pt x="8838531" y="0"/>
-                </a:lnTo>
-                <a:lnTo>
-                  <a:pt x="8838531" y="4419265"/>
-                </a:lnTo>
-                <a:lnTo>
-                  <a:pt x="0" y="4419265"/>
+                  <a:pt x="8640925" y="0"/>
+                </a:lnTo>
+                <a:lnTo>
+                  <a:pt x="8640925" y="4320462"/>
+                </a:lnTo>
+                <a:lnTo>
+                  <a:pt x="0" y="4320462"/>
                 </a:lnTo>
                 <a:lnTo>
                   <a:pt x="0" y="0"/>
@@ -14528,8 +15152,8 @@
         </p:nvSpPr>
         <p:spPr>
           <a:xfrm>
-            <a:off x="8635926" y="1417300"/>
-            <a:ext cx="8623374" cy="4311687"/>
+            <a:off x="397998" y="5611402"/>
+            <a:ext cx="8640926" cy="4320463"/>
           </a:xfrm>
           <a:custGeom>
             <a:avLst/>
@@ -14538,18 +15162,18 @@
             <a:cxnLst/>
             <a:rect l="l" t="t" r="r" b="b"/>
             <a:pathLst>
-              <a:path w="8623374" h="4311687">
+              <a:path w="8640926" h="4320463">
                 <a:moveTo>
                   <a:pt x="0" y="0"/>
                 </a:moveTo>
                 <a:lnTo>
-                  <a:pt x="8623374" y="0"/>
-                </a:lnTo>
-                <a:lnTo>
-                  <a:pt x="8623374" y="4311687"/>
-                </a:lnTo>
-                <a:lnTo>
-                  <a:pt x="0" y="4311687"/>
+                  <a:pt x="8640926" y="0"/>
+                </a:lnTo>
+                <a:lnTo>
+                  <a:pt x="8640926" y="4320462"/>
+                </a:lnTo>
+                <a:lnTo>
+                  <a:pt x="0" y="4320462"/>
                 </a:lnTo>
                 <a:lnTo>
                   <a:pt x="0" y="0"/>
@@ -14581,8 +15205,8 @@
         </p:nvSpPr>
         <p:spPr>
           <a:xfrm>
-            <a:off x="809230" y="5768503"/>
-            <a:ext cx="8334770" cy="4167385"/>
+            <a:off x="528032" y="1433329"/>
+            <a:ext cx="8615968" cy="4307984"/>
           </a:xfrm>
           <a:custGeom>
             <a:avLst/>
@@ -14591,18 +15215,18 @@
             <a:cxnLst/>
             <a:rect l="l" t="t" r="r" b="b"/>
             <a:pathLst>
-              <a:path w="8334770" h="4167385">
+              <a:path w="8615968" h="4307984">
                 <a:moveTo>
                   <a:pt x="0" y="0"/>
                 </a:moveTo>
                 <a:lnTo>
-                  <a:pt x="8334770" y="0"/>
-                </a:lnTo>
-                <a:lnTo>
-                  <a:pt x="8334770" y="4167384"/>
-                </a:lnTo>
-                <a:lnTo>
-                  <a:pt x="0" y="4167384"/>
+                  <a:pt x="8615968" y="0"/>
+                </a:lnTo>
+                <a:lnTo>
+                  <a:pt x="8615968" y="4307984"/>
+                </a:lnTo>
+                <a:lnTo>
+                  <a:pt x="0" y="4307984"/>
                 </a:lnTo>
                 <a:lnTo>
                   <a:pt x="0" y="0"/>
@@ -14634,8 +15258,8 @@
         </p:nvSpPr>
         <p:spPr>
           <a:xfrm>
-            <a:off x="8924530" y="5768503"/>
-            <a:ext cx="8334770" cy="4167385"/>
+            <a:off x="9038924" y="1433329"/>
+            <a:ext cx="8615968" cy="4307984"/>
           </a:xfrm>
           <a:custGeom>
             <a:avLst/>
@@ -14644,18 +15268,18 @@
             <a:cxnLst/>
             <a:rect l="l" t="t" r="r" b="b"/>
             <a:pathLst>
-              <a:path w="8334770" h="4167385">
+              <a:path w="8615968" h="4307984">
                 <a:moveTo>
                   <a:pt x="0" y="0"/>
                 </a:moveTo>
                 <a:lnTo>
-                  <a:pt x="8334770" y="0"/>
-                </a:lnTo>
-                <a:lnTo>
-                  <a:pt x="8334770" y="4167384"/>
-                </a:lnTo>
-                <a:lnTo>
-                  <a:pt x="0" y="4167384"/>
+                  <a:pt x="8615968" y="0"/>
+                </a:lnTo>
+                <a:lnTo>
+                  <a:pt x="8615968" y="4307984"/>
+                </a:lnTo>
+                <a:lnTo>
+                  <a:pt x="0" y="4307984"/>
                 </a:lnTo>
                 <a:lnTo>
                   <a:pt x="0" y="0"/>
@@ -14715,7 +15339,7 @@
                 <a:cs typeface="Arimo Bold"/>
                 <a:sym typeface="Arimo Bold"/>
               </a:rPr>
-              <a:t>Appedix: Other Distribution(600 rows)</a:t>
+              <a:t>Appedix: Other Distribution(60000 rows)</a:t>
             </a:r>
           </a:p>
         </p:txBody>
@@ -14729,6 +15353,702 @@
 </file>
 
 <file path=ppt/slides/slide22.xml><?xml version="1.0" encoding="utf-8"?>
+<p:sld xmlns:a="http://schemas.openxmlformats.org/drawingml/2006/main" xmlns:r="http://schemas.openxmlformats.org/officeDocument/2006/relationships" xmlns:p="http://schemas.openxmlformats.org/presentationml/2006/main">
+  <p:cSld>
+    <p:spTree>
+      <p:nvGrpSpPr>
+        <p:cNvPr id="1" name=""/>
+        <p:cNvGrpSpPr/>
+        <p:nvPr/>
+      </p:nvGrpSpPr>
+      <p:grpSpPr>
+        <a:xfrm>
+          <a:off x="0" y="0"/>
+          <a:ext cx="0" cy="0"/>
+          <a:chOff x="0" y="0"/>
+          <a:chExt cx="0" cy="0"/>
+        </a:xfrm>
+      </p:grpSpPr>
+      <p:sp>
+        <p:nvSpPr>
+          <p:cNvPr id="2" name="Freeform 2" descr="preencoded.png"/>
+          <p:cNvSpPr/>
+          <p:nvPr/>
+        </p:nvSpPr>
+        <p:spPr>
+          <a:xfrm>
+            <a:off x="0" y="0"/>
+            <a:ext cx="18288000" cy="10287000"/>
+          </a:xfrm>
+          <a:custGeom>
+            <a:avLst/>
+            <a:gdLst/>
+            <a:ahLst/>
+            <a:cxnLst/>
+            <a:rect l="l" t="t" r="r" b="b"/>
+            <a:pathLst>
+              <a:path w="18288000" h="10287000">
+                <a:moveTo>
+                  <a:pt x="0" y="0"/>
+                </a:moveTo>
+                <a:lnTo>
+                  <a:pt x="18288000" y="0"/>
+                </a:lnTo>
+                <a:lnTo>
+                  <a:pt x="18288000" y="10287000"/>
+                </a:lnTo>
+                <a:lnTo>
+                  <a:pt x="0" y="10287000"/>
+                </a:lnTo>
+                <a:lnTo>
+                  <a:pt x="0" y="0"/>
+                </a:lnTo>
+                <a:close/>
+              </a:path>
+            </a:pathLst>
+          </a:custGeom>
+          <a:blipFill>
+            <a:blip r:embed="rId3"/>
+            <a:stretch>
+              <a:fillRect/>
+            </a:stretch>
+          </a:blipFill>
+        </p:spPr>
+        <p:txBody>
+          <a:bodyPr/>
+          <a:lstStyle/>
+          <a:p>
+            <a:endParaRPr lang="zh-TW" altLang="en-US"/>
+          </a:p>
+        </p:txBody>
+      </p:sp>
+      <p:grpSp>
+        <p:nvGrpSpPr>
+          <p:cNvPr id="3" name="Group 3"/>
+          <p:cNvGrpSpPr/>
+          <p:nvPr/>
+        </p:nvGrpSpPr>
+        <p:grpSpPr>
+          <a:xfrm>
+            <a:off x="0" y="0"/>
+            <a:ext cx="18288000" cy="10287000"/>
+            <a:chOff x="0" y="0"/>
+            <a:chExt cx="24384000" cy="13716000"/>
+          </a:xfrm>
+        </p:grpSpPr>
+        <p:sp>
+          <p:nvSpPr>
+            <p:cNvPr id="4" name="Freeform 4"/>
+            <p:cNvSpPr/>
+            <p:nvPr/>
+          </p:nvSpPr>
+          <p:spPr>
+            <a:xfrm>
+              <a:off x="0" y="0"/>
+              <a:ext cx="24384000" cy="13716000"/>
+            </a:xfrm>
+            <a:custGeom>
+              <a:avLst/>
+              <a:gdLst/>
+              <a:ahLst/>
+              <a:cxnLst/>
+              <a:rect l="l" t="t" r="r" b="b"/>
+              <a:pathLst>
+                <a:path w="24384000" h="13716000">
+                  <a:moveTo>
+                    <a:pt x="0" y="0"/>
+                  </a:moveTo>
+                  <a:lnTo>
+                    <a:pt x="24384000" y="0"/>
+                  </a:lnTo>
+                  <a:lnTo>
+                    <a:pt x="24384000" y="13716000"/>
+                  </a:lnTo>
+                  <a:lnTo>
+                    <a:pt x="0" y="13716000"/>
+                  </a:lnTo>
+                  <a:close/>
+                </a:path>
+              </a:pathLst>
+            </a:custGeom>
+            <a:solidFill>
+              <a:srgbClr val="FFFFFF">
+                <a:alpha val="74902"/>
+              </a:srgbClr>
+            </a:solidFill>
+          </p:spPr>
+          <p:txBody>
+            <a:bodyPr/>
+            <a:lstStyle/>
+            <a:p>
+              <a:endParaRPr lang="zh-TW" altLang="en-US"/>
+            </a:p>
+          </p:txBody>
+        </p:sp>
+      </p:grpSp>
+      <p:sp>
+        <p:nvSpPr>
+          <p:cNvPr id="5" name="Freeform 5"/>
+          <p:cNvSpPr/>
+          <p:nvPr/>
+        </p:nvSpPr>
+        <p:spPr>
+          <a:xfrm>
+            <a:off x="553708" y="879035"/>
+            <a:ext cx="8528930" cy="4264465"/>
+          </a:xfrm>
+          <a:custGeom>
+            <a:avLst/>
+            <a:gdLst/>
+            <a:ahLst/>
+            <a:cxnLst/>
+            <a:rect l="l" t="t" r="r" b="b"/>
+            <a:pathLst>
+              <a:path w="8528930" h="4264465">
+                <a:moveTo>
+                  <a:pt x="0" y="0"/>
+                </a:moveTo>
+                <a:lnTo>
+                  <a:pt x="8528930" y="0"/>
+                </a:lnTo>
+                <a:lnTo>
+                  <a:pt x="8528930" y="4264465"/>
+                </a:lnTo>
+                <a:lnTo>
+                  <a:pt x="0" y="4264465"/>
+                </a:lnTo>
+                <a:lnTo>
+                  <a:pt x="0" y="0"/>
+                </a:lnTo>
+                <a:close/>
+              </a:path>
+            </a:pathLst>
+          </a:custGeom>
+          <a:blipFill>
+            <a:blip r:embed="rId4"/>
+            <a:stretch>
+              <a:fillRect/>
+            </a:stretch>
+          </a:blipFill>
+        </p:spPr>
+        <p:txBody>
+          <a:bodyPr/>
+          <a:lstStyle/>
+          <a:p>
+            <a:endParaRPr lang="zh-TW" altLang="en-US"/>
+          </a:p>
+        </p:txBody>
+      </p:sp>
+      <p:sp>
+        <p:nvSpPr>
+          <p:cNvPr id="6" name="Freeform 6"/>
+          <p:cNvSpPr/>
+          <p:nvPr/>
+        </p:nvSpPr>
+        <p:spPr>
+          <a:xfrm>
+            <a:off x="9082638" y="1028700"/>
+            <a:ext cx="8475866" cy="4237933"/>
+          </a:xfrm>
+          <a:custGeom>
+            <a:avLst/>
+            <a:gdLst/>
+            <a:ahLst/>
+            <a:cxnLst/>
+            <a:rect l="l" t="t" r="r" b="b"/>
+            <a:pathLst>
+              <a:path w="8475866" h="4237933">
+                <a:moveTo>
+                  <a:pt x="0" y="0"/>
+                </a:moveTo>
+                <a:lnTo>
+                  <a:pt x="8475867" y="0"/>
+                </a:lnTo>
+                <a:lnTo>
+                  <a:pt x="8475867" y="4237933"/>
+                </a:lnTo>
+                <a:lnTo>
+                  <a:pt x="0" y="4237933"/>
+                </a:lnTo>
+                <a:lnTo>
+                  <a:pt x="0" y="0"/>
+                </a:lnTo>
+                <a:close/>
+              </a:path>
+            </a:pathLst>
+          </a:custGeom>
+          <a:blipFill>
+            <a:blip r:embed="rId5"/>
+            <a:stretch>
+              <a:fillRect/>
+            </a:stretch>
+          </a:blipFill>
+        </p:spPr>
+        <p:txBody>
+          <a:bodyPr/>
+          <a:lstStyle/>
+          <a:p>
+            <a:endParaRPr lang="zh-TW" altLang="en-US"/>
+          </a:p>
+        </p:txBody>
+      </p:sp>
+      <p:sp>
+        <p:nvSpPr>
+          <p:cNvPr id="7" name="Freeform 7"/>
+          <p:cNvSpPr/>
+          <p:nvPr/>
+        </p:nvSpPr>
+        <p:spPr>
+          <a:xfrm>
+            <a:off x="4778022" y="5262946"/>
+            <a:ext cx="8731955" cy="4365978"/>
+          </a:xfrm>
+          <a:custGeom>
+            <a:avLst/>
+            <a:gdLst/>
+            <a:ahLst/>
+            <a:cxnLst/>
+            <a:rect l="l" t="t" r="r" b="b"/>
+            <a:pathLst>
+              <a:path w="8731955" h="4365978">
+                <a:moveTo>
+                  <a:pt x="0" y="0"/>
+                </a:moveTo>
+                <a:lnTo>
+                  <a:pt x="8731955" y="0"/>
+                </a:lnTo>
+                <a:lnTo>
+                  <a:pt x="8731955" y="4365978"/>
+                </a:lnTo>
+                <a:lnTo>
+                  <a:pt x="0" y="4365978"/>
+                </a:lnTo>
+                <a:lnTo>
+                  <a:pt x="0" y="0"/>
+                </a:lnTo>
+                <a:close/>
+              </a:path>
+            </a:pathLst>
+          </a:custGeom>
+          <a:blipFill>
+            <a:blip r:embed="rId6"/>
+            <a:stretch>
+              <a:fillRect/>
+            </a:stretch>
+          </a:blipFill>
+        </p:spPr>
+        <p:txBody>
+          <a:bodyPr/>
+          <a:lstStyle/>
+          <a:p>
+            <a:endParaRPr lang="zh-TW" altLang="en-US"/>
+          </a:p>
+        </p:txBody>
+      </p:sp>
+    </p:spTree>
+  </p:cSld>
+  <p:clrMapOvr>
+    <a:masterClrMapping/>
+  </p:clrMapOvr>
+</p:sld>
+</file>
+
+<file path=ppt/slides/slide23.xml><?xml version="1.0" encoding="utf-8"?>
+<p:sld xmlns:a="http://schemas.openxmlformats.org/drawingml/2006/main" xmlns:r="http://schemas.openxmlformats.org/officeDocument/2006/relationships" xmlns:p="http://schemas.openxmlformats.org/presentationml/2006/main">
+  <p:cSld>
+    <p:spTree>
+      <p:nvGrpSpPr>
+        <p:cNvPr id="1" name=""/>
+        <p:cNvGrpSpPr/>
+        <p:nvPr/>
+      </p:nvGrpSpPr>
+      <p:grpSpPr>
+        <a:xfrm>
+          <a:off x="0" y="0"/>
+          <a:ext cx="0" cy="0"/>
+          <a:chOff x="0" y="0"/>
+          <a:chExt cx="0" cy="0"/>
+        </a:xfrm>
+      </p:grpSpPr>
+      <p:sp>
+        <p:nvSpPr>
+          <p:cNvPr id="2" name="Freeform 2" descr="preencoded.png"/>
+          <p:cNvSpPr/>
+          <p:nvPr/>
+        </p:nvSpPr>
+        <p:spPr>
+          <a:xfrm>
+            <a:off x="0" y="0"/>
+            <a:ext cx="18288000" cy="10287000"/>
+          </a:xfrm>
+          <a:custGeom>
+            <a:avLst/>
+            <a:gdLst/>
+            <a:ahLst/>
+            <a:cxnLst/>
+            <a:rect l="l" t="t" r="r" b="b"/>
+            <a:pathLst>
+              <a:path w="18288000" h="10287000">
+                <a:moveTo>
+                  <a:pt x="0" y="0"/>
+                </a:moveTo>
+                <a:lnTo>
+                  <a:pt x="18288000" y="0"/>
+                </a:lnTo>
+                <a:lnTo>
+                  <a:pt x="18288000" y="10287000"/>
+                </a:lnTo>
+                <a:lnTo>
+                  <a:pt x="0" y="10287000"/>
+                </a:lnTo>
+                <a:lnTo>
+                  <a:pt x="0" y="0"/>
+                </a:lnTo>
+                <a:close/>
+              </a:path>
+            </a:pathLst>
+          </a:custGeom>
+          <a:blipFill>
+            <a:blip r:embed="rId3"/>
+            <a:stretch>
+              <a:fillRect/>
+            </a:stretch>
+          </a:blipFill>
+        </p:spPr>
+        <p:txBody>
+          <a:bodyPr/>
+          <a:lstStyle/>
+          <a:p>
+            <a:endParaRPr lang="zh-TW" altLang="en-US"/>
+          </a:p>
+        </p:txBody>
+      </p:sp>
+      <p:grpSp>
+        <p:nvGrpSpPr>
+          <p:cNvPr id="3" name="Group 3"/>
+          <p:cNvGrpSpPr/>
+          <p:nvPr/>
+        </p:nvGrpSpPr>
+        <p:grpSpPr>
+          <a:xfrm>
+            <a:off x="0" y="0"/>
+            <a:ext cx="18288000" cy="10287000"/>
+            <a:chOff x="0" y="0"/>
+            <a:chExt cx="24384000" cy="13716000"/>
+          </a:xfrm>
+        </p:grpSpPr>
+        <p:sp>
+          <p:nvSpPr>
+            <p:cNvPr id="4" name="Freeform 4"/>
+            <p:cNvSpPr/>
+            <p:nvPr/>
+          </p:nvSpPr>
+          <p:spPr>
+            <a:xfrm>
+              <a:off x="0" y="0"/>
+              <a:ext cx="24384000" cy="13716000"/>
+            </a:xfrm>
+            <a:custGeom>
+              <a:avLst/>
+              <a:gdLst/>
+              <a:ahLst/>
+              <a:cxnLst/>
+              <a:rect l="l" t="t" r="r" b="b"/>
+              <a:pathLst>
+                <a:path w="24384000" h="13716000">
+                  <a:moveTo>
+                    <a:pt x="0" y="0"/>
+                  </a:moveTo>
+                  <a:lnTo>
+                    <a:pt x="24384000" y="0"/>
+                  </a:lnTo>
+                  <a:lnTo>
+                    <a:pt x="24384000" y="13716000"/>
+                  </a:lnTo>
+                  <a:lnTo>
+                    <a:pt x="0" y="13716000"/>
+                  </a:lnTo>
+                  <a:close/>
+                </a:path>
+              </a:pathLst>
+            </a:custGeom>
+            <a:solidFill>
+              <a:srgbClr val="FFFFFF">
+                <a:alpha val="74902"/>
+              </a:srgbClr>
+            </a:solidFill>
+          </p:spPr>
+          <p:txBody>
+            <a:bodyPr/>
+            <a:lstStyle/>
+            <a:p>
+              <a:endParaRPr lang="zh-TW" altLang="en-US"/>
+            </a:p>
+          </p:txBody>
+        </p:sp>
+      </p:grpSp>
+      <p:sp>
+        <p:nvSpPr>
+          <p:cNvPr id="5" name="Freeform 5"/>
+          <p:cNvSpPr/>
+          <p:nvPr/>
+        </p:nvSpPr>
+        <p:spPr>
+          <a:xfrm>
+            <a:off x="615070" y="1417300"/>
+            <a:ext cx="8838531" cy="4419265"/>
+          </a:xfrm>
+          <a:custGeom>
+            <a:avLst/>
+            <a:gdLst/>
+            <a:ahLst/>
+            <a:cxnLst/>
+            <a:rect l="l" t="t" r="r" b="b"/>
+            <a:pathLst>
+              <a:path w="8838531" h="4419265">
+                <a:moveTo>
+                  <a:pt x="0" y="0"/>
+                </a:moveTo>
+                <a:lnTo>
+                  <a:pt x="8838531" y="0"/>
+                </a:lnTo>
+                <a:lnTo>
+                  <a:pt x="8838531" y="4419265"/>
+                </a:lnTo>
+                <a:lnTo>
+                  <a:pt x="0" y="4419265"/>
+                </a:lnTo>
+                <a:lnTo>
+                  <a:pt x="0" y="0"/>
+                </a:lnTo>
+                <a:close/>
+              </a:path>
+            </a:pathLst>
+          </a:custGeom>
+          <a:blipFill>
+            <a:blip r:embed="rId4"/>
+            <a:stretch>
+              <a:fillRect/>
+            </a:stretch>
+          </a:blipFill>
+        </p:spPr>
+        <p:txBody>
+          <a:bodyPr/>
+          <a:lstStyle/>
+          <a:p>
+            <a:endParaRPr lang="zh-TW" altLang="en-US"/>
+          </a:p>
+        </p:txBody>
+      </p:sp>
+      <p:sp>
+        <p:nvSpPr>
+          <p:cNvPr id="6" name="Freeform 6"/>
+          <p:cNvSpPr/>
+          <p:nvPr/>
+        </p:nvSpPr>
+        <p:spPr>
+          <a:xfrm>
+            <a:off x="8635926" y="1417300"/>
+            <a:ext cx="8623374" cy="4311687"/>
+          </a:xfrm>
+          <a:custGeom>
+            <a:avLst/>
+            <a:gdLst/>
+            <a:ahLst/>
+            <a:cxnLst/>
+            <a:rect l="l" t="t" r="r" b="b"/>
+            <a:pathLst>
+              <a:path w="8623374" h="4311687">
+                <a:moveTo>
+                  <a:pt x="0" y="0"/>
+                </a:moveTo>
+                <a:lnTo>
+                  <a:pt x="8623374" y="0"/>
+                </a:lnTo>
+                <a:lnTo>
+                  <a:pt x="8623374" y="4311687"/>
+                </a:lnTo>
+                <a:lnTo>
+                  <a:pt x="0" y="4311687"/>
+                </a:lnTo>
+                <a:lnTo>
+                  <a:pt x="0" y="0"/>
+                </a:lnTo>
+                <a:close/>
+              </a:path>
+            </a:pathLst>
+          </a:custGeom>
+          <a:blipFill>
+            <a:blip r:embed="rId5"/>
+            <a:stretch>
+              <a:fillRect/>
+            </a:stretch>
+          </a:blipFill>
+        </p:spPr>
+        <p:txBody>
+          <a:bodyPr/>
+          <a:lstStyle/>
+          <a:p>
+            <a:endParaRPr lang="zh-TW" altLang="en-US"/>
+          </a:p>
+        </p:txBody>
+      </p:sp>
+      <p:sp>
+        <p:nvSpPr>
+          <p:cNvPr id="7" name="Freeform 7"/>
+          <p:cNvSpPr/>
+          <p:nvPr/>
+        </p:nvSpPr>
+        <p:spPr>
+          <a:xfrm>
+            <a:off x="809230" y="5768503"/>
+            <a:ext cx="8334770" cy="4167385"/>
+          </a:xfrm>
+          <a:custGeom>
+            <a:avLst/>
+            <a:gdLst/>
+            <a:ahLst/>
+            <a:cxnLst/>
+            <a:rect l="l" t="t" r="r" b="b"/>
+            <a:pathLst>
+              <a:path w="8334770" h="4167385">
+                <a:moveTo>
+                  <a:pt x="0" y="0"/>
+                </a:moveTo>
+                <a:lnTo>
+                  <a:pt x="8334770" y="0"/>
+                </a:lnTo>
+                <a:lnTo>
+                  <a:pt x="8334770" y="4167384"/>
+                </a:lnTo>
+                <a:lnTo>
+                  <a:pt x="0" y="4167384"/>
+                </a:lnTo>
+                <a:lnTo>
+                  <a:pt x="0" y="0"/>
+                </a:lnTo>
+                <a:close/>
+              </a:path>
+            </a:pathLst>
+          </a:custGeom>
+          <a:blipFill>
+            <a:blip r:embed="rId6"/>
+            <a:stretch>
+              <a:fillRect/>
+            </a:stretch>
+          </a:blipFill>
+        </p:spPr>
+        <p:txBody>
+          <a:bodyPr/>
+          <a:lstStyle/>
+          <a:p>
+            <a:endParaRPr lang="zh-TW" altLang="en-US"/>
+          </a:p>
+        </p:txBody>
+      </p:sp>
+      <p:sp>
+        <p:nvSpPr>
+          <p:cNvPr id="8" name="Freeform 8"/>
+          <p:cNvSpPr/>
+          <p:nvPr/>
+        </p:nvSpPr>
+        <p:spPr>
+          <a:xfrm>
+            <a:off x="8924530" y="5768503"/>
+            <a:ext cx="8334770" cy="4167385"/>
+          </a:xfrm>
+          <a:custGeom>
+            <a:avLst/>
+            <a:gdLst/>
+            <a:ahLst/>
+            <a:cxnLst/>
+            <a:rect l="l" t="t" r="r" b="b"/>
+            <a:pathLst>
+              <a:path w="8334770" h="4167385">
+                <a:moveTo>
+                  <a:pt x="0" y="0"/>
+                </a:moveTo>
+                <a:lnTo>
+                  <a:pt x="8334770" y="0"/>
+                </a:lnTo>
+                <a:lnTo>
+                  <a:pt x="8334770" y="4167384"/>
+                </a:lnTo>
+                <a:lnTo>
+                  <a:pt x="0" y="4167384"/>
+                </a:lnTo>
+                <a:lnTo>
+                  <a:pt x="0" y="0"/>
+                </a:lnTo>
+                <a:close/>
+              </a:path>
+            </a:pathLst>
+          </a:custGeom>
+          <a:blipFill>
+            <a:blip r:embed="rId7"/>
+            <a:stretch>
+              <a:fillRect/>
+            </a:stretch>
+          </a:blipFill>
+        </p:spPr>
+        <p:txBody>
+          <a:bodyPr/>
+          <a:lstStyle/>
+          <a:p>
+            <a:endParaRPr lang="zh-TW" altLang="en-US"/>
+          </a:p>
+        </p:txBody>
+      </p:sp>
+      <p:sp>
+        <p:nvSpPr>
+          <p:cNvPr id="9" name="TextBox 9"/>
+          <p:cNvSpPr txBox="1"/>
+          <p:nvPr/>
+        </p:nvSpPr>
+        <p:spPr>
+          <a:xfrm>
+            <a:off x="615070" y="500360"/>
+            <a:ext cx="18361245" cy="916940"/>
+          </a:xfrm>
+          <a:prstGeom prst="rect">
+            <a:avLst/>
+          </a:prstGeom>
+        </p:spPr>
+        <p:txBody>
+          <a:bodyPr lIns="0" tIns="0" rIns="0" bIns="0" rtlCol="0" anchor="t">
+            <a:spAutoFit/>
+          </a:bodyPr>
+          <a:lstStyle/>
+          <a:p>
+            <a:pPr algn="l">
+              <a:lnSpc>
+                <a:spcPts val="7000"/>
+              </a:lnSpc>
+            </a:pPr>
+            <a:r>
+              <a:rPr lang="en-US" sz="5600">
+                <a:solidFill>
+                  <a:srgbClr val="000000"/>
+                </a:solidFill>
+                <a:latin typeface="Arimo Bold"/>
+                <a:ea typeface="Arimo Bold"/>
+                <a:cs typeface="Arimo Bold"/>
+                <a:sym typeface="Arimo Bold"/>
+              </a:rPr>
+              <a:t>Appedix: Other Distribution(600 rows)</a:t>
+            </a:r>
+          </a:p>
+        </p:txBody>
+      </p:sp>
+    </p:spTree>
+  </p:cSld>
+  <p:clrMapOvr>
+    <a:masterClrMapping/>
+  </p:clrMapOvr>
+</p:sld>
+</file>
+
+<file path=ppt/slides/slide24.xml><?xml version="1.0" encoding="utf-8"?>
 <p:sld xmlns:a="http://schemas.openxmlformats.org/drawingml/2006/main" xmlns:r="http://schemas.openxmlformats.org/officeDocument/2006/relationships" xmlns:p="http://schemas.openxmlformats.org/presentationml/2006/main">
   <p:cSld>
     <p:spTree>
@@ -18506,7 +19826,7 @@
         <p:spPr>
           <a:xfrm>
             <a:off x="615070" y="500360"/>
-            <a:ext cx="18361245" cy="916940"/>
+            <a:ext cx="18361245" cy="836704"/>
           </a:xfrm>
           <a:prstGeom prst="rect">
             <a:avLst/>
@@ -18524,7 +19844,7 @@
               </a:lnSpc>
             </a:pPr>
             <a:r>
-              <a:rPr lang="en-US" sz="5600">
+              <a:rPr lang="en-US" sz="5600" dirty="0">
                 <a:solidFill>
                   <a:srgbClr val="000000"/>
                 </a:solidFill>
@@ -18533,7 +19853,7 @@
                 <a:cs typeface="Arimo Bold"/>
                 <a:sym typeface="Arimo Bold"/>
               </a:rPr>
-              <a:t>One-Hot  vs Ordinal Encoding</a:t>
+              <a:t>One-Hot vs Ordinal Encoding</a:t>
             </a:r>
           </a:p>
         </p:txBody>
@@ -19665,7 +20985,31 @@
                 <a:cs typeface="Arimo Bold"/>
                 <a:sym typeface="Arimo Bold"/>
               </a:rPr>
-              <a:t>Ordinal Encoding(Gender:</a:t>
+              <a:t>Ordinal Encoding(</a:t>
+            </a:r>
+            <a:r>
+              <a:rPr lang="en-US" altLang="zh-TW" sz="5600" dirty="0">
+                <a:solidFill>
+                  <a:srgbClr val="000000"/>
+                </a:solidFill>
+                <a:latin typeface="Arimo Bold"/>
+                <a:ea typeface="Arimo Bold"/>
+                <a:cs typeface="Arimo Bold"/>
+                <a:sym typeface="Arimo Bold"/>
+              </a:rPr>
+              <a:t>Churn</a:t>
+            </a:r>
+            <a:r>
+              <a:rPr lang="en-US" sz="5600" dirty="0">
+                <a:solidFill>
+                  <a:srgbClr val="000000"/>
+                </a:solidFill>
+                <a:latin typeface="Arimo Bold"/>
+                <a:ea typeface="Arimo Bold"/>
+                <a:cs typeface="Arimo Bold"/>
+                <a:sym typeface="Arimo Bold"/>
+              </a:rPr>
+              <a:t>:</a:t>
             </a:r>
             <a:r>
               <a:rPr lang="zh-TW" altLang="en-US" sz="5600" dirty="0">

--- a/cc_process/Customer_Churn_ppt.pptx
+++ b/cc_process/Customer_Churn_ppt.pptx
@@ -241,7 +241,7 @@
           <a:p>
             <a:fld id="{B7268E1E-0E44-426D-905E-8AD9B19D2182}" type="datetimeFigureOut">
               <a:rPr lang="cs-CZ" smtClean="0"/>
-              <a:t>19.07.2024</a:t>
+              <a:t>29.07.2024</a:t>
             </a:fld>
             <a:endParaRPr lang="cs-CZ"/>
           </a:p>
@@ -5951,7 +5951,7 @@
             <a:fld id="{1D8BD707-D9CF-40AE-B4C6-C98DA3205C09}" type="datetimeFigureOut">
               <a:rPr lang="en-US" smtClean="0"/>
               <a:pPr/>
-              <a:t>7/19/2024</a:t>
+              <a:t>7/29/2024</a:t>
             </a:fld>
             <a:endParaRPr lang="en-US"/>
           </a:p>
@@ -6116,7 +6116,7 @@
             <a:fld id="{1D8BD707-D9CF-40AE-B4C6-C98DA3205C09}" type="datetimeFigureOut">
               <a:rPr lang="en-US" smtClean="0"/>
               <a:pPr/>
-              <a:t>7/19/2024</a:t>
+              <a:t>7/29/2024</a:t>
             </a:fld>
             <a:endParaRPr lang="en-US"/>
           </a:p>
@@ -6291,7 +6291,7 @@
             <a:fld id="{1D8BD707-D9CF-40AE-B4C6-C98DA3205C09}" type="datetimeFigureOut">
               <a:rPr lang="en-US" smtClean="0"/>
               <a:pPr/>
-              <a:t>7/19/2024</a:t>
+              <a:t>7/29/2024</a:t>
             </a:fld>
             <a:endParaRPr lang="en-US"/>
           </a:p>
@@ -6456,7 +6456,7 @@
             <a:fld id="{1D8BD707-D9CF-40AE-B4C6-C98DA3205C09}" type="datetimeFigureOut">
               <a:rPr lang="en-US" smtClean="0"/>
               <a:pPr/>
-              <a:t>7/19/2024</a:t>
+              <a:t>7/29/2024</a:t>
             </a:fld>
             <a:endParaRPr lang="en-US"/>
           </a:p>
@@ -6698,7 +6698,7 @@
             <a:fld id="{1D8BD707-D9CF-40AE-B4C6-C98DA3205C09}" type="datetimeFigureOut">
               <a:rPr lang="en-US" smtClean="0"/>
               <a:pPr/>
-              <a:t>7/19/2024</a:t>
+              <a:t>7/29/2024</a:t>
             </a:fld>
             <a:endParaRPr lang="en-US"/>
           </a:p>
@@ -6980,7 +6980,7 @@
             <a:fld id="{1D8BD707-D9CF-40AE-B4C6-C98DA3205C09}" type="datetimeFigureOut">
               <a:rPr lang="en-US" smtClean="0"/>
               <a:pPr/>
-              <a:t>7/19/2024</a:t>
+              <a:t>7/29/2024</a:t>
             </a:fld>
             <a:endParaRPr lang="en-US"/>
           </a:p>
@@ -7396,7 +7396,7 @@
             <a:fld id="{1D8BD707-D9CF-40AE-B4C6-C98DA3205C09}" type="datetimeFigureOut">
               <a:rPr lang="en-US" smtClean="0"/>
               <a:pPr/>
-              <a:t>7/19/2024</a:t>
+              <a:t>7/29/2024</a:t>
             </a:fld>
             <a:endParaRPr lang="en-US"/>
           </a:p>
@@ -7510,7 +7510,7 @@
             <a:fld id="{1D8BD707-D9CF-40AE-B4C6-C98DA3205C09}" type="datetimeFigureOut">
               <a:rPr lang="en-US" smtClean="0"/>
               <a:pPr/>
-              <a:t>7/19/2024</a:t>
+              <a:t>7/29/2024</a:t>
             </a:fld>
             <a:endParaRPr lang="en-US"/>
           </a:p>
@@ -7602,7 +7602,7 @@
             <a:fld id="{1D8BD707-D9CF-40AE-B4C6-C98DA3205C09}" type="datetimeFigureOut">
               <a:rPr lang="en-US" smtClean="0"/>
               <a:pPr/>
-              <a:t>7/19/2024</a:t>
+              <a:t>7/29/2024</a:t>
             </a:fld>
             <a:endParaRPr lang="en-US"/>
           </a:p>
@@ -7874,7 +7874,7 @@
             <a:fld id="{1D8BD707-D9CF-40AE-B4C6-C98DA3205C09}" type="datetimeFigureOut">
               <a:rPr lang="en-US" smtClean="0"/>
               <a:pPr/>
-              <a:t>7/19/2024</a:t>
+              <a:t>7/29/2024</a:t>
             </a:fld>
             <a:endParaRPr lang="en-US"/>
           </a:p>
@@ -8123,7 +8123,7 @@
             <a:fld id="{1D8BD707-D9CF-40AE-B4C6-C98DA3205C09}" type="datetimeFigureOut">
               <a:rPr lang="en-US" smtClean="0"/>
               <a:pPr/>
-              <a:t>7/19/2024</a:t>
+              <a:t>7/29/2024</a:t>
             </a:fld>
             <a:endParaRPr lang="en-US"/>
           </a:p>
@@ -8331,7 +8331,7 @@
             <a:fld id="{1D8BD707-D9CF-40AE-B4C6-C98DA3205C09}" type="datetimeFigureOut">
               <a:rPr lang="en-US" smtClean="0"/>
               <a:pPr/>
-              <a:t>7/19/2024</a:t>
+              <a:t>7/29/2024</a:t>
             </a:fld>
             <a:endParaRPr lang="en-US"/>
           </a:p>
@@ -10366,80 +10366,6 @@
       </p:sp>
       <p:sp>
         <p:nvSpPr>
-          <p:cNvPr id="26" name="TextBox 11">
-            <a:extLst>
-              <a:ext uri="{FF2B5EF4-FFF2-40B4-BE49-F238E27FC236}">
-                <a16:creationId xmlns:a16="http://schemas.microsoft.com/office/drawing/2014/main" id="{DE6963DF-681B-B432-B3D0-38300798B93C}"/>
-              </a:ext>
-            </a:extLst>
-          </p:cNvPr>
-          <p:cNvSpPr txBox="1"/>
-          <p:nvPr/>
-        </p:nvSpPr>
-        <p:spPr>
-          <a:xfrm>
-            <a:off x="13208227" y="9294863"/>
-            <a:ext cx="4396747" cy="418320"/>
-          </a:xfrm>
-          <a:prstGeom prst="rect">
-            <a:avLst/>
-          </a:prstGeom>
-        </p:spPr>
-        <p:txBody>
-          <a:bodyPr wrap="square" lIns="0" tIns="0" rIns="0" bIns="0" rtlCol="0" anchor="t">
-            <a:spAutoFit/>
-          </a:bodyPr>
-          <a:lstStyle/>
-          <a:p>
-            <a:pPr algn="ctr">
-              <a:lnSpc>
-                <a:spcPts val="3499"/>
-              </a:lnSpc>
-              <a:spcBef>
-                <a:spcPct val="0"/>
-              </a:spcBef>
-            </a:pPr>
-            <a:r>
-              <a:rPr lang="en-US" altLang="zh-TW" sz="2799" dirty="0">
-                <a:solidFill>
-                  <a:srgbClr val="000000"/>
-                </a:solidFill>
-                <a:latin typeface="Arimo Bold"/>
-                <a:ea typeface="Arimo Bold"/>
-                <a:cs typeface="Arimo Bold"/>
-                <a:sym typeface="Arimo Bold"/>
-              </a:rPr>
-              <a:t>Last </a:t>
-            </a:r>
-            <a:r>
-              <a:rPr lang="en-US" altLang="zh-TW" sz="2799" dirty="0" err="1">
-                <a:solidFill>
-                  <a:srgbClr val="000000"/>
-                </a:solidFill>
-                <a:latin typeface="Arimo Bold"/>
-                <a:ea typeface="Arimo Bold"/>
-                <a:cs typeface="Arimo Bold"/>
-                <a:sym typeface="Arimo Bold"/>
-              </a:rPr>
-              <a:t>Interation</a:t>
-            </a:r>
-            <a:r>
-              <a:rPr lang="en-US" sz="2799" dirty="0">
-                <a:solidFill>
-                  <a:srgbClr val="000000"/>
-                </a:solidFill>
-                <a:latin typeface="Arimo Bold"/>
-                <a:ea typeface="Arimo Bold"/>
-                <a:cs typeface="Arimo Bold"/>
-                <a:sym typeface="Arimo Bold"/>
-              </a:rPr>
-              <a:t>:  0.04</a:t>
-            </a:r>
-          </a:p>
-        </p:txBody>
-      </p:sp>
-      <p:sp>
-        <p:nvSpPr>
           <p:cNvPr id="27" name="TextBox 7">
             <a:extLst>
               <a:ext uri="{FF2B5EF4-FFF2-40B4-BE49-F238E27FC236}">
@@ -10494,6 +10420,92 @@
               <a:cs typeface="Arimo" panose="02020500000000000000" charset="0"/>
               <a:sym typeface="Arimo Bold"/>
             </a:endParaRPr>
+          </a:p>
+        </p:txBody>
+      </p:sp>
+      <p:sp>
+        <p:nvSpPr>
+          <p:cNvPr id="5" name="TextBox 11">
+            <a:extLst>
+              <a:ext uri="{FF2B5EF4-FFF2-40B4-BE49-F238E27FC236}">
+                <a16:creationId xmlns:a16="http://schemas.microsoft.com/office/drawing/2014/main" id="{431B99DE-563A-1522-3C15-D6968AF9647F}"/>
+              </a:ext>
+            </a:extLst>
+          </p:cNvPr>
+          <p:cNvSpPr txBox="1"/>
+          <p:nvPr/>
+        </p:nvSpPr>
+        <p:spPr>
+          <a:xfrm>
+            <a:off x="13124528" y="9294863"/>
+            <a:ext cx="4396747" cy="418320"/>
+          </a:xfrm>
+          <a:prstGeom prst="rect">
+            <a:avLst/>
+          </a:prstGeom>
+        </p:spPr>
+        <p:txBody>
+          <a:bodyPr wrap="square" lIns="0" tIns="0" rIns="0" bIns="0" rtlCol="0" anchor="t">
+            <a:spAutoFit/>
+          </a:bodyPr>
+          <a:lstStyle/>
+          <a:p>
+            <a:pPr algn="ctr">
+              <a:lnSpc>
+                <a:spcPts val="3499"/>
+              </a:lnSpc>
+              <a:spcBef>
+                <a:spcPct val="0"/>
+              </a:spcBef>
+            </a:pPr>
+            <a:r>
+              <a:rPr lang="en-US" altLang="zh-TW" sz="2799" dirty="0">
+                <a:solidFill>
+                  <a:srgbClr val="000000"/>
+                </a:solidFill>
+                <a:latin typeface="Arimo Bold"/>
+                <a:ea typeface="Arimo Bold"/>
+                <a:cs typeface="Arimo Bold"/>
+                <a:sym typeface="Arimo Bold"/>
+              </a:rPr>
+              <a:t>Last</a:t>
+            </a:r>
+            <a:r>
+              <a:rPr lang="zh-TW" altLang="en-US" sz="2799" dirty="0">
+                <a:solidFill>
+                  <a:srgbClr val="000000"/>
+                </a:solidFill>
+                <a:latin typeface="Arimo Bold"/>
+                <a:ea typeface="Arimo Bold"/>
+                <a:cs typeface="Arimo Bold"/>
+                <a:sym typeface="Arimo Bold"/>
+              </a:rPr>
+              <a:t> </a:t>
+            </a:r>
+            <a:r>
+              <a:rPr lang="en-US" altLang="zh-TW" sz="2799" dirty="0">
+                <a:solidFill>
+                  <a:srgbClr val="000000"/>
+                </a:solidFill>
+                <a:latin typeface="Arimo Bold"/>
+                <a:ea typeface="Arimo Bold"/>
+                <a:cs typeface="Arimo Bold"/>
+                <a:sym typeface="Arimo Bold"/>
+              </a:rPr>
+              <a:t>Interaction</a:t>
+            </a:r>
+            <a:r>
+              <a:rPr lang="en-US" sz="2799" dirty="0">
+                <a:solidFill>
+                  <a:srgbClr val="000000"/>
+                </a:solidFill>
+                <a:latin typeface="Arimo Bold"/>
+                <a:ea typeface="Arimo Bold"/>
+                <a:cs typeface="Arimo Bold"/>
+                <a:sym typeface="Arimo Bold"/>
+              </a:rPr>
+              <a:t>:  -0.04</a:t>
+            </a:r>
           </a:p>
         </p:txBody>
       </p:sp>
